--- a/qiita-python-anaconda-jupyternotebook/resource/python-dev.pptx
+++ b/qiita-python-anaconda-jupyternotebook/resource/python-dev.pptx
@@ -9,6 +9,7 @@
     <p:sldId id="257" r:id="rId3"/>
     <p:sldId id="258" r:id="rId4"/>
     <p:sldId id="259" r:id="rId5"/>
+    <p:sldId id="260" r:id="rId6"/>
   </p:sldIdLst>
   <p:sldSz cx="9906000" cy="6858000" type="A4"/>
   <p:notesSz cx="6858000" cy="9144000"/>
@@ -5593,7 +5594,7 @@
         </p:nvSpPr>
         <p:spPr>
           <a:xfrm>
-            <a:off x="635266" y="1521252"/>
+            <a:off x="635266" y="1192513"/>
             <a:ext cx="1414913" cy="914400"/>
           </a:xfrm>
           <a:prstGeom prst="rect">
@@ -5664,7 +5665,7 @@
         </p:nvSpPr>
         <p:spPr>
           <a:xfrm>
-            <a:off x="5080538" y="1420184"/>
+            <a:off x="5080538" y="1091445"/>
             <a:ext cx="1501542" cy="336885"/>
           </a:xfrm>
           <a:prstGeom prst="rect">
@@ -5711,7 +5712,7 @@
         </p:nvSpPr>
         <p:spPr>
           <a:xfrm>
-            <a:off x="5080537" y="1902595"/>
+            <a:off x="5080537" y="1573856"/>
             <a:ext cx="1501543" cy="336885"/>
           </a:xfrm>
           <a:prstGeom prst="rect">
@@ -5758,7 +5759,7 @@
         </p:nvSpPr>
         <p:spPr>
           <a:xfrm>
-            <a:off x="5080538" y="2773008"/>
+            <a:off x="5080538" y="2444269"/>
             <a:ext cx="1058782" cy="369332"/>
           </a:xfrm>
           <a:prstGeom prst="rect">
@@ -5793,7 +5794,7 @@
         </p:nvSpPr>
         <p:spPr>
           <a:xfrm>
-            <a:off x="7475621" y="1432219"/>
+            <a:off x="7475621" y="1103480"/>
             <a:ext cx="1501542" cy="369332"/>
           </a:xfrm>
           <a:prstGeom prst="rect">
@@ -5840,7 +5841,7 @@
         </p:nvSpPr>
         <p:spPr>
           <a:xfrm>
-            <a:off x="2358191" y="1181961"/>
+            <a:off x="2358191" y="853222"/>
             <a:ext cx="2156060" cy="2054961"/>
           </a:xfrm>
           <a:prstGeom prst="roundRect">
@@ -5889,7 +5890,7 @@
         </p:nvSpPr>
         <p:spPr>
           <a:xfrm>
-            <a:off x="2594013" y="990655"/>
+            <a:off x="2594013" y="661916"/>
             <a:ext cx="510134" cy="375390"/>
           </a:xfrm>
           <a:prstGeom prst="rect">
@@ -5927,7 +5928,7 @@
         </p:nvSpPr>
         <p:spPr>
           <a:xfrm>
-            <a:off x="4786162" y="1181962"/>
+            <a:off x="4786162" y="853223"/>
             <a:ext cx="2156060" cy="2054960"/>
           </a:xfrm>
           <a:prstGeom prst="roundRect">
@@ -5976,7 +5977,7 @@
         </p:nvSpPr>
         <p:spPr>
           <a:xfrm>
-            <a:off x="4992307" y="907402"/>
+            <a:off x="4992307" y="578663"/>
             <a:ext cx="1648322" cy="461665"/>
           </a:xfrm>
           <a:prstGeom prst="rect">
@@ -6020,7 +6021,7 @@
         </p:nvSpPr>
         <p:spPr>
           <a:xfrm>
-            <a:off x="7186863" y="1201212"/>
+            <a:off x="7186863" y="872473"/>
             <a:ext cx="2156060" cy="2054960"/>
           </a:xfrm>
           <a:prstGeom prst="roundRect">
@@ -6069,7 +6070,7 @@
         </p:nvSpPr>
         <p:spPr>
           <a:xfrm>
-            <a:off x="7348889" y="1045801"/>
+            <a:off x="7348889" y="717062"/>
             <a:ext cx="1832008" cy="276999"/>
           </a:xfrm>
           <a:prstGeom prst="rect">
@@ -6106,7 +6107,7 @@
         </p:nvSpPr>
         <p:spPr>
           <a:xfrm>
-            <a:off x="7348889" y="1998306"/>
+            <a:off x="7348889" y="1669567"/>
             <a:ext cx="1058782" cy="369332"/>
           </a:xfrm>
           <a:prstGeom prst="rect">
@@ -6141,7 +6142,7 @@
         </p:nvSpPr>
         <p:spPr>
           <a:xfrm>
-            <a:off x="2594015" y="1366045"/>
+            <a:off x="2594015" y="1037306"/>
             <a:ext cx="1501542" cy="336885"/>
           </a:xfrm>
           <a:prstGeom prst="rect">
@@ -6188,7 +6189,7 @@
         </p:nvSpPr>
         <p:spPr>
           <a:xfrm>
-            <a:off x="2594014" y="1868966"/>
+            <a:off x="2594014" y="1540227"/>
             <a:ext cx="1501543" cy="336885"/>
           </a:xfrm>
           <a:prstGeom prst="rect">
@@ -6235,7 +6236,7 @@
         </p:nvSpPr>
         <p:spPr>
           <a:xfrm>
-            <a:off x="2594013" y="2398359"/>
+            <a:off x="2594013" y="2069620"/>
             <a:ext cx="1501544" cy="336885"/>
           </a:xfrm>
           <a:prstGeom prst="rect">
@@ -6286,7 +6287,7 @@
         </p:nvSpPr>
         <p:spPr>
           <a:xfrm>
-            <a:off x="2594013" y="2867591"/>
+            <a:off x="2594013" y="2538852"/>
             <a:ext cx="1058782" cy="369332"/>
           </a:xfrm>
           <a:prstGeom prst="rect">
@@ -6321,7 +6322,7 @@
         </p:nvSpPr>
         <p:spPr>
           <a:xfrm>
-            <a:off x="5065696" y="2382327"/>
+            <a:off x="5065696" y="2053588"/>
             <a:ext cx="1501543" cy="336885"/>
           </a:xfrm>
           <a:prstGeom prst="rect">
@@ -6368,7 +6369,7 @@
         </p:nvSpPr>
         <p:spPr>
           <a:xfrm>
-            <a:off x="375385" y="639108"/>
+            <a:off x="375385" y="310369"/>
             <a:ext cx="9298004" cy="2789892"/>
           </a:xfrm>
           <a:prstGeom prst="roundRect">
@@ -6415,7 +6416,7 @@
         </p:nvSpPr>
         <p:spPr>
           <a:xfrm>
-            <a:off x="641688" y="639108"/>
+            <a:off x="641688" y="310369"/>
             <a:ext cx="3904649" cy="288757"/>
           </a:xfrm>
           <a:prstGeom prst="rect">
@@ -6452,10 +6453,1552 @@
           </a:p>
         </p:txBody>
       </p:sp>
+      <p:sp>
+        <p:nvSpPr>
+          <p:cNvPr id="6" name="正方形/長方形 5">
+            <a:extLst>
+              <a:ext uri="{FF2B5EF4-FFF2-40B4-BE49-F238E27FC236}">
+                <a16:creationId xmlns:a16="http://schemas.microsoft.com/office/drawing/2014/main" id="{5F4E3310-21B9-4610-B57F-80E0F0F93D75}"/>
+              </a:ext>
+            </a:extLst>
+          </p:cNvPr>
+          <p:cNvSpPr/>
+          <p:nvPr/>
+        </p:nvSpPr>
+        <p:spPr>
+          <a:xfrm>
+            <a:off x="297070" y="3985409"/>
+            <a:ext cx="1414913" cy="914400"/>
+          </a:xfrm>
+          <a:prstGeom prst="rect">
+            <a:avLst/>
+          </a:prstGeom>
+        </p:spPr>
+        <p:style>
+          <a:lnRef idx="1">
+            <a:schemeClr val="accent4"/>
+          </a:lnRef>
+          <a:fillRef idx="2">
+            <a:schemeClr val="accent4"/>
+          </a:fillRef>
+          <a:effectRef idx="1">
+            <a:schemeClr val="accent4"/>
+          </a:effectRef>
+          <a:fontRef idx="minor">
+            <a:schemeClr val="dk1"/>
+          </a:fontRef>
+        </p:style>
+        <p:txBody>
+          <a:bodyPr rtlCol="0" anchor="ctr"/>
+          <a:lstStyle/>
+          <a:p>
+            <a:pPr algn="ctr"/>
+            <a:r>
+              <a:rPr kumimoji="1" lang="en-US" altLang="ja-JP" dirty="0"/>
+              <a:t>Python</a:t>
+            </a:r>
+          </a:p>
+          <a:p>
+            <a:pPr algn="ctr"/>
+            <a:r>
+              <a:rPr kumimoji="1" lang="ja-JP" altLang="en-US" dirty="0"/>
+              <a:t>実行環境</a:t>
+            </a:r>
+            <a:endParaRPr kumimoji="1" lang="en-US" altLang="ja-JP" dirty="0"/>
+          </a:p>
+          <a:p>
+            <a:pPr algn="ctr"/>
+            <a:r>
+              <a:rPr kumimoji="1" lang="en-US" altLang="ja-JP" dirty="0"/>
+              <a:t>(</a:t>
+            </a:r>
+            <a:r>
+              <a:rPr kumimoji="1" lang="en-US" altLang="ja-JP" sz="1100" dirty="0" err="1"/>
+              <a:t>CPython</a:t>
+            </a:r>
+            <a:r>
+              <a:rPr kumimoji="1" lang="en-US" altLang="ja-JP" dirty="0"/>
+              <a:t>)</a:t>
+            </a:r>
+            <a:endParaRPr kumimoji="1" lang="ja-JP" altLang="en-US" dirty="0"/>
+          </a:p>
+        </p:txBody>
+      </p:sp>
+      <p:sp>
+        <p:nvSpPr>
+          <p:cNvPr id="17" name="四角形: 角を丸くする 16">
+            <a:extLst>
+              <a:ext uri="{FF2B5EF4-FFF2-40B4-BE49-F238E27FC236}">
+                <a16:creationId xmlns:a16="http://schemas.microsoft.com/office/drawing/2014/main" id="{FDC07377-26E9-4D8C-87E9-3DFCAFC4F556}"/>
+              </a:ext>
+            </a:extLst>
+          </p:cNvPr>
+          <p:cNvSpPr/>
+          <p:nvPr/>
+        </p:nvSpPr>
+        <p:spPr>
+          <a:xfrm>
+            <a:off x="2019995" y="3646118"/>
+            <a:ext cx="2156060" cy="816345"/>
+          </a:xfrm>
+          <a:prstGeom prst="roundRect">
+            <a:avLst>
+              <a:gd name="adj" fmla="val 6511"/>
+            </a:avLst>
+          </a:prstGeom>
+          <a:noFill/>
+        </p:spPr>
+        <p:style>
+          <a:lnRef idx="2">
+            <a:schemeClr val="accent1">
+              <a:shade val="15000"/>
+            </a:schemeClr>
+          </a:lnRef>
+          <a:fillRef idx="1">
+            <a:schemeClr val="accent1"/>
+          </a:fillRef>
+          <a:effectRef idx="0">
+            <a:schemeClr val="accent1"/>
+          </a:effectRef>
+          <a:fontRef idx="minor">
+            <a:schemeClr val="lt1"/>
+          </a:fontRef>
+        </p:style>
+        <p:txBody>
+          <a:bodyPr rtlCol="0" anchor="ctr"/>
+          <a:lstStyle/>
+          <a:p>
+            <a:pPr algn="ctr"/>
+            <a:endParaRPr kumimoji="1" lang="ja-JP" altLang="en-US"/>
+          </a:p>
+        </p:txBody>
+      </p:sp>
+      <p:sp>
+        <p:nvSpPr>
+          <p:cNvPr id="18" name="テキスト ボックス 17">
+            <a:extLst>
+              <a:ext uri="{FF2B5EF4-FFF2-40B4-BE49-F238E27FC236}">
+                <a16:creationId xmlns:a16="http://schemas.microsoft.com/office/drawing/2014/main" id="{11125BB2-C8C2-4031-9881-0339DFF6E009}"/>
+              </a:ext>
+            </a:extLst>
+          </p:cNvPr>
+          <p:cNvSpPr txBox="1"/>
+          <p:nvPr/>
+        </p:nvSpPr>
+        <p:spPr>
+          <a:xfrm>
+            <a:off x="2255817" y="3454812"/>
+            <a:ext cx="510134" cy="375390"/>
+          </a:xfrm>
+          <a:prstGeom prst="rect">
+            <a:avLst/>
+          </a:prstGeom>
+          <a:solidFill>
+            <a:schemeClr val="bg1"/>
+          </a:solidFill>
+        </p:spPr>
+        <p:txBody>
+          <a:bodyPr wrap="square" rtlCol="0">
+            <a:spAutoFit/>
+          </a:bodyPr>
+          <a:lstStyle/>
+          <a:p>
+            <a:r>
+              <a:rPr kumimoji="1" lang="en-US" altLang="ja-JP" dirty="0"/>
+              <a:t>IDE</a:t>
+            </a:r>
+            <a:endParaRPr kumimoji="1" lang="ja-JP" altLang="en-US" dirty="0"/>
+          </a:p>
+        </p:txBody>
+      </p:sp>
+      <p:sp>
+        <p:nvSpPr>
+          <p:cNvPr id="19" name="四角形: 角を丸くする 18">
+            <a:extLst>
+              <a:ext uri="{FF2B5EF4-FFF2-40B4-BE49-F238E27FC236}">
+                <a16:creationId xmlns:a16="http://schemas.microsoft.com/office/drawing/2014/main" id="{6DAC8216-3D11-423D-B222-5FE080588018}"/>
+              </a:ext>
+            </a:extLst>
+          </p:cNvPr>
+          <p:cNvSpPr/>
+          <p:nvPr/>
+        </p:nvSpPr>
+        <p:spPr>
+          <a:xfrm>
+            <a:off x="2019317" y="4795091"/>
+            <a:ext cx="2156060" cy="367645"/>
+          </a:xfrm>
+          <a:prstGeom prst="roundRect">
+            <a:avLst>
+              <a:gd name="adj" fmla="val 6511"/>
+            </a:avLst>
+          </a:prstGeom>
+          <a:noFill/>
+        </p:spPr>
+        <p:style>
+          <a:lnRef idx="2">
+            <a:schemeClr val="accent1">
+              <a:shade val="15000"/>
+            </a:schemeClr>
+          </a:lnRef>
+          <a:fillRef idx="1">
+            <a:schemeClr val="accent1"/>
+          </a:fillRef>
+          <a:effectRef idx="0">
+            <a:schemeClr val="accent1"/>
+          </a:effectRef>
+          <a:fontRef idx="minor">
+            <a:schemeClr val="lt1"/>
+          </a:fontRef>
+        </p:style>
+        <p:txBody>
+          <a:bodyPr rtlCol="0" anchor="ctr"/>
+          <a:lstStyle/>
+          <a:p>
+            <a:pPr algn="ctr"/>
+            <a:endParaRPr kumimoji="1" lang="ja-JP" altLang="en-US"/>
+          </a:p>
+        </p:txBody>
+      </p:sp>
+      <p:sp>
+        <p:nvSpPr>
+          <p:cNvPr id="20" name="テキスト ボックス 19">
+            <a:extLst>
+              <a:ext uri="{FF2B5EF4-FFF2-40B4-BE49-F238E27FC236}">
+                <a16:creationId xmlns:a16="http://schemas.microsoft.com/office/drawing/2014/main" id="{289B644F-8DDC-4B14-AE6D-180D3F9B33BF}"/>
+              </a:ext>
+            </a:extLst>
+          </p:cNvPr>
+          <p:cNvSpPr txBox="1"/>
+          <p:nvPr/>
+        </p:nvSpPr>
+        <p:spPr>
+          <a:xfrm>
+            <a:off x="2214339" y="4581767"/>
+            <a:ext cx="1306622" cy="461665"/>
+          </a:xfrm>
+          <a:prstGeom prst="rect">
+            <a:avLst/>
+          </a:prstGeom>
+          <a:solidFill>
+            <a:schemeClr val="bg1"/>
+          </a:solidFill>
+        </p:spPr>
+        <p:txBody>
+          <a:bodyPr wrap="square" rtlCol="0">
+            <a:spAutoFit/>
+          </a:bodyPr>
+          <a:lstStyle/>
+          <a:p>
+            <a:r>
+              <a:rPr kumimoji="1" lang="ja-JP" altLang="en-US" sz="1200" dirty="0"/>
+              <a:t>ライブラリ</a:t>
+            </a:r>
+            <a:endParaRPr kumimoji="1" lang="en-US" altLang="ja-JP" sz="1200" dirty="0"/>
+          </a:p>
+          <a:p>
+            <a:r>
+              <a:rPr kumimoji="1" lang="ja-JP" altLang="en-US" sz="1200" dirty="0"/>
+              <a:t>（パッケージ）</a:t>
+            </a:r>
+          </a:p>
+        </p:txBody>
+      </p:sp>
+      <p:sp>
+        <p:nvSpPr>
+          <p:cNvPr id="22" name="四角形: 角を丸くする 21">
+            <a:extLst>
+              <a:ext uri="{FF2B5EF4-FFF2-40B4-BE49-F238E27FC236}">
+                <a16:creationId xmlns:a16="http://schemas.microsoft.com/office/drawing/2014/main" id="{2F4A35B4-5806-4D11-BE5B-302633A5BA3C}"/>
+              </a:ext>
+            </a:extLst>
+          </p:cNvPr>
+          <p:cNvSpPr/>
+          <p:nvPr/>
+        </p:nvSpPr>
+        <p:spPr>
+          <a:xfrm>
+            <a:off x="2019317" y="5444580"/>
+            <a:ext cx="2156060" cy="441813"/>
+          </a:xfrm>
+          <a:prstGeom prst="roundRect">
+            <a:avLst>
+              <a:gd name="adj" fmla="val 6511"/>
+            </a:avLst>
+          </a:prstGeom>
+          <a:noFill/>
+        </p:spPr>
+        <p:style>
+          <a:lnRef idx="2">
+            <a:schemeClr val="accent1">
+              <a:shade val="15000"/>
+            </a:schemeClr>
+          </a:lnRef>
+          <a:fillRef idx="1">
+            <a:schemeClr val="accent1"/>
+          </a:fillRef>
+          <a:effectRef idx="0">
+            <a:schemeClr val="accent1"/>
+          </a:effectRef>
+          <a:fontRef idx="minor">
+            <a:schemeClr val="lt1"/>
+          </a:fontRef>
+        </p:style>
+        <p:txBody>
+          <a:bodyPr rtlCol="0" anchor="ctr"/>
+          <a:lstStyle/>
+          <a:p>
+            <a:pPr algn="ctr"/>
+            <a:endParaRPr kumimoji="1" lang="ja-JP" altLang="en-US"/>
+          </a:p>
+        </p:txBody>
+      </p:sp>
+      <p:sp>
+        <p:nvSpPr>
+          <p:cNvPr id="42" name="テキスト ボックス 41">
+            <a:extLst>
+              <a:ext uri="{FF2B5EF4-FFF2-40B4-BE49-F238E27FC236}">
+                <a16:creationId xmlns:a16="http://schemas.microsoft.com/office/drawing/2014/main" id="{0BEECEF7-D019-4FE5-9798-A0CE66CC2D91}"/>
+              </a:ext>
+            </a:extLst>
+          </p:cNvPr>
+          <p:cNvSpPr txBox="1"/>
+          <p:nvPr/>
+        </p:nvSpPr>
+        <p:spPr>
+          <a:xfrm>
+            <a:off x="2181343" y="5289169"/>
+            <a:ext cx="1832008" cy="276999"/>
+          </a:xfrm>
+          <a:prstGeom prst="rect">
+            <a:avLst/>
+          </a:prstGeom>
+          <a:solidFill>
+            <a:schemeClr val="bg1"/>
+          </a:solidFill>
+        </p:spPr>
+        <p:txBody>
+          <a:bodyPr wrap="square" rtlCol="0">
+            <a:spAutoFit/>
+          </a:bodyPr>
+          <a:lstStyle/>
+          <a:p>
+            <a:r>
+              <a:rPr kumimoji="1" lang="ja-JP" altLang="en-US" sz="1200" dirty="0"/>
+              <a:t>パッケージ管理ツール</a:t>
+            </a:r>
+          </a:p>
+        </p:txBody>
+      </p:sp>
+      <p:sp>
+        <p:nvSpPr>
+          <p:cNvPr id="50" name="正方形/長方形 49">
+            <a:extLst>
+              <a:ext uri="{FF2B5EF4-FFF2-40B4-BE49-F238E27FC236}">
+                <a16:creationId xmlns:a16="http://schemas.microsoft.com/office/drawing/2014/main" id="{02A83D76-B06C-4527-8582-AF515ED8D06F}"/>
+              </a:ext>
+            </a:extLst>
+          </p:cNvPr>
+          <p:cNvSpPr/>
+          <p:nvPr/>
+        </p:nvSpPr>
+        <p:spPr>
+          <a:xfrm>
+            <a:off x="2193245" y="3912599"/>
+            <a:ext cx="1501544" cy="336885"/>
+          </a:xfrm>
+          <a:prstGeom prst="rect">
+            <a:avLst/>
+          </a:prstGeom>
+        </p:spPr>
+        <p:style>
+          <a:lnRef idx="1">
+            <a:schemeClr val="accent6"/>
+          </a:lnRef>
+          <a:fillRef idx="2">
+            <a:schemeClr val="accent6"/>
+          </a:fillRef>
+          <a:effectRef idx="1">
+            <a:schemeClr val="accent6"/>
+          </a:effectRef>
+          <a:fontRef idx="minor">
+            <a:schemeClr val="dk1"/>
+          </a:fontRef>
+        </p:style>
+        <p:txBody>
+          <a:bodyPr rtlCol="0" anchor="ctr"/>
+          <a:lstStyle/>
+          <a:p>
+            <a:r>
+              <a:rPr kumimoji="1" lang="en-US" altLang="ja-JP" sz="1400" dirty="0" err="1"/>
+              <a:t>Jupyter</a:t>
+            </a:r>
+            <a:r>
+              <a:rPr kumimoji="1" lang="en-US" altLang="ja-JP" sz="1400" dirty="0"/>
+              <a:t> Notebook</a:t>
+            </a:r>
+            <a:endParaRPr kumimoji="1" lang="ja-JP" altLang="en-US" sz="1400" dirty="0"/>
+          </a:p>
+        </p:txBody>
+      </p:sp>
+      <p:sp>
+        <p:nvSpPr>
+          <p:cNvPr id="56" name="四角形: 角を丸くする 55">
+            <a:extLst>
+              <a:ext uri="{FF2B5EF4-FFF2-40B4-BE49-F238E27FC236}">
+                <a16:creationId xmlns:a16="http://schemas.microsoft.com/office/drawing/2014/main" id="{5CB3E814-CAA4-4ABA-9178-7AC14B49F299}"/>
+              </a:ext>
+            </a:extLst>
+          </p:cNvPr>
+          <p:cNvSpPr/>
+          <p:nvPr/>
+        </p:nvSpPr>
+        <p:spPr>
+          <a:xfrm>
+            <a:off x="4891498" y="3564711"/>
+            <a:ext cx="4754876" cy="2462903"/>
+          </a:xfrm>
+          <a:prstGeom prst="roundRect">
+            <a:avLst>
+              <a:gd name="adj" fmla="val 7275"/>
+            </a:avLst>
+          </a:prstGeom>
+          <a:noFill/>
+        </p:spPr>
+        <p:style>
+          <a:lnRef idx="2">
+            <a:schemeClr val="accent2"/>
+          </a:lnRef>
+          <a:fillRef idx="1">
+            <a:schemeClr val="lt1"/>
+          </a:fillRef>
+          <a:effectRef idx="0">
+            <a:schemeClr val="accent2"/>
+          </a:effectRef>
+          <a:fontRef idx="minor">
+            <a:schemeClr val="dk1"/>
+          </a:fontRef>
+        </p:style>
+        <p:txBody>
+          <a:bodyPr rtlCol="0" anchor="ctr"/>
+          <a:lstStyle/>
+          <a:p>
+            <a:pPr algn="ctr"/>
+            <a:endParaRPr kumimoji="1" lang="ja-JP" altLang="en-US"/>
+          </a:p>
+        </p:txBody>
+      </p:sp>
+      <p:sp>
+        <p:nvSpPr>
+          <p:cNvPr id="58" name="正方形/長方形 57">
+            <a:extLst>
+              <a:ext uri="{FF2B5EF4-FFF2-40B4-BE49-F238E27FC236}">
+                <a16:creationId xmlns:a16="http://schemas.microsoft.com/office/drawing/2014/main" id="{E80F790E-5763-47F3-80C7-477727B33777}"/>
+              </a:ext>
+            </a:extLst>
+          </p:cNvPr>
+          <p:cNvSpPr/>
+          <p:nvPr/>
+        </p:nvSpPr>
+        <p:spPr>
+          <a:xfrm>
+            <a:off x="5111484" y="3567338"/>
+            <a:ext cx="2046550" cy="268294"/>
+          </a:xfrm>
+          <a:prstGeom prst="rect">
+            <a:avLst/>
+          </a:prstGeom>
+        </p:spPr>
+        <p:style>
+          <a:lnRef idx="1">
+            <a:schemeClr val="accent4"/>
+          </a:lnRef>
+          <a:fillRef idx="2">
+            <a:schemeClr val="accent4"/>
+          </a:fillRef>
+          <a:effectRef idx="1">
+            <a:schemeClr val="accent4"/>
+          </a:effectRef>
+          <a:fontRef idx="minor">
+            <a:schemeClr val="dk1"/>
+          </a:fontRef>
+        </p:style>
+        <p:txBody>
+          <a:bodyPr rtlCol="0" anchor="ctr"/>
+          <a:lstStyle/>
+          <a:p>
+            <a:pPr algn="ctr"/>
+            <a:r>
+              <a:rPr kumimoji="1" lang="en-US" altLang="ja" dirty="0" err="1"/>
+              <a:t>Jupyter</a:t>
+            </a:r>
+            <a:r>
+              <a:rPr kumimoji="1" lang="ja" altLang="en-US" dirty="0"/>
+              <a:t> </a:t>
+            </a:r>
+            <a:r>
+              <a:rPr kumimoji="1" lang="en-US" altLang="ja" dirty="0"/>
+              <a:t>Notebook</a:t>
+            </a:r>
+            <a:endParaRPr kumimoji="1" lang="ja-JP" altLang="en-US" dirty="0"/>
+          </a:p>
+        </p:txBody>
+      </p:sp>
+      <p:sp>
+        <p:nvSpPr>
+          <p:cNvPr id="62" name="正方形/長方形 61">
+            <a:extLst>
+              <a:ext uri="{FF2B5EF4-FFF2-40B4-BE49-F238E27FC236}">
+                <a16:creationId xmlns:a16="http://schemas.microsoft.com/office/drawing/2014/main" id="{AE187C7A-A806-417B-94CA-9DFC79B6D2B5}"/>
+              </a:ext>
+            </a:extLst>
+          </p:cNvPr>
+          <p:cNvSpPr/>
+          <p:nvPr/>
+        </p:nvSpPr>
+        <p:spPr>
+          <a:xfrm>
+            <a:off x="5217254" y="4034470"/>
+            <a:ext cx="4156020" cy="1716145"/>
+          </a:xfrm>
+          <a:prstGeom prst="rect">
+            <a:avLst/>
+          </a:prstGeom>
+        </p:spPr>
+        <p:style>
+          <a:lnRef idx="1">
+            <a:schemeClr val="accent6"/>
+          </a:lnRef>
+          <a:fillRef idx="2">
+            <a:schemeClr val="accent6"/>
+          </a:fillRef>
+          <a:effectRef idx="1">
+            <a:schemeClr val="accent6"/>
+          </a:effectRef>
+          <a:fontRef idx="minor">
+            <a:schemeClr val="dk1"/>
+          </a:fontRef>
+        </p:style>
+        <p:txBody>
+          <a:bodyPr rtlCol="0" anchor="t"/>
+          <a:lstStyle/>
+          <a:p>
+            <a:r>
+              <a:rPr kumimoji="1" lang="en-US" altLang="ja-JP" sz="1400" dirty="0" err="1"/>
+              <a:t>Jupyter</a:t>
+            </a:r>
+            <a:r>
+              <a:rPr kumimoji="1" lang="en-US" altLang="ja-JP" sz="1400" dirty="0"/>
+              <a:t> Notebook</a:t>
+            </a:r>
+            <a:endParaRPr kumimoji="1" lang="ja-JP" altLang="en-US" sz="1400" dirty="0"/>
+          </a:p>
+        </p:txBody>
+      </p:sp>
+      <p:sp>
+        <p:nvSpPr>
+          <p:cNvPr id="66" name="正方形/長方形 65">
+            <a:extLst>
+              <a:ext uri="{FF2B5EF4-FFF2-40B4-BE49-F238E27FC236}">
+                <a16:creationId xmlns:a16="http://schemas.microsoft.com/office/drawing/2014/main" id="{4F0C0738-664D-4227-9409-DE88413F2D94}"/>
+              </a:ext>
+            </a:extLst>
+          </p:cNvPr>
+          <p:cNvSpPr/>
+          <p:nvPr/>
+        </p:nvSpPr>
+        <p:spPr>
+          <a:xfrm>
+            <a:off x="5384917" y="4384415"/>
+            <a:ext cx="1414913" cy="914400"/>
+          </a:xfrm>
+          <a:prstGeom prst="rect">
+            <a:avLst/>
+          </a:prstGeom>
+        </p:spPr>
+        <p:style>
+          <a:lnRef idx="1">
+            <a:schemeClr val="accent4"/>
+          </a:lnRef>
+          <a:fillRef idx="2">
+            <a:schemeClr val="accent4"/>
+          </a:fillRef>
+          <a:effectRef idx="1">
+            <a:schemeClr val="accent4"/>
+          </a:effectRef>
+          <a:fontRef idx="minor">
+            <a:schemeClr val="dk1"/>
+          </a:fontRef>
+        </p:style>
+        <p:txBody>
+          <a:bodyPr rtlCol="0" anchor="ctr"/>
+          <a:lstStyle/>
+          <a:p>
+            <a:pPr algn="ctr"/>
+            <a:r>
+              <a:rPr kumimoji="1" lang="en-US" altLang="ja-JP" dirty="0"/>
+              <a:t>Python</a:t>
+            </a:r>
+          </a:p>
+          <a:p>
+            <a:pPr algn="ctr"/>
+            <a:r>
+              <a:rPr kumimoji="1" lang="ja-JP" altLang="en-US" dirty="0"/>
+              <a:t>実行環境</a:t>
+            </a:r>
+            <a:endParaRPr kumimoji="1" lang="en-US" altLang="ja-JP" dirty="0"/>
+          </a:p>
+          <a:p>
+            <a:pPr algn="ctr"/>
+            <a:r>
+              <a:rPr kumimoji="1" lang="en-US" altLang="ja-JP" dirty="0"/>
+              <a:t>(</a:t>
+            </a:r>
+            <a:r>
+              <a:rPr kumimoji="1" lang="en-US" altLang="ja-JP" sz="1100" dirty="0" err="1"/>
+              <a:t>CPython</a:t>
+            </a:r>
+            <a:r>
+              <a:rPr kumimoji="1" lang="en-US" altLang="ja-JP" dirty="0"/>
+              <a:t>)</a:t>
+            </a:r>
+            <a:endParaRPr kumimoji="1" lang="ja-JP" altLang="en-US" dirty="0"/>
+          </a:p>
+        </p:txBody>
+      </p:sp>
+      <p:sp>
+        <p:nvSpPr>
+          <p:cNvPr id="68" name="四角形: 角を丸くする 67">
+            <a:extLst>
+              <a:ext uri="{FF2B5EF4-FFF2-40B4-BE49-F238E27FC236}">
+                <a16:creationId xmlns:a16="http://schemas.microsoft.com/office/drawing/2014/main" id="{A86EC156-9640-426D-87B5-5783B450B88C}"/>
+              </a:ext>
+            </a:extLst>
+          </p:cNvPr>
+          <p:cNvSpPr/>
+          <p:nvPr/>
+        </p:nvSpPr>
+        <p:spPr>
+          <a:xfrm>
+            <a:off x="7085404" y="4446855"/>
+            <a:ext cx="2156060" cy="367645"/>
+          </a:xfrm>
+          <a:prstGeom prst="roundRect">
+            <a:avLst>
+              <a:gd name="adj" fmla="val 6511"/>
+            </a:avLst>
+          </a:prstGeom>
+          <a:noFill/>
+        </p:spPr>
+        <p:style>
+          <a:lnRef idx="2">
+            <a:schemeClr val="accent1">
+              <a:shade val="15000"/>
+            </a:schemeClr>
+          </a:lnRef>
+          <a:fillRef idx="1">
+            <a:schemeClr val="accent1"/>
+          </a:fillRef>
+          <a:effectRef idx="0">
+            <a:schemeClr val="accent1"/>
+          </a:effectRef>
+          <a:fontRef idx="minor">
+            <a:schemeClr val="lt1"/>
+          </a:fontRef>
+        </p:style>
+        <p:txBody>
+          <a:bodyPr rtlCol="0" anchor="ctr"/>
+          <a:lstStyle/>
+          <a:p>
+            <a:pPr algn="ctr"/>
+            <a:endParaRPr kumimoji="1" lang="ja-JP" altLang="en-US"/>
+          </a:p>
+        </p:txBody>
+      </p:sp>
+      <p:sp>
+        <p:nvSpPr>
+          <p:cNvPr id="70" name="テキスト ボックス 69">
+            <a:extLst>
+              <a:ext uri="{FF2B5EF4-FFF2-40B4-BE49-F238E27FC236}">
+                <a16:creationId xmlns:a16="http://schemas.microsoft.com/office/drawing/2014/main" id="{C1BF8F07-5B29-44F1-A84A-FAB3CC439F5B}"/>
+              </a:ext>
+            </a:extLst>
+          </p:cNvPr>
+          <p:cNvSpPr txBox="1"/>
+          <p:nvPr/>
+        </p:nvSpPr>
+        <p:spPr>
+          <a:xfrm>
+            <a:off x="7280426" y="4233532"/>
+            <a:ext cx="1328382" cy="461665"/>
+          </a:xfrm>
+          <a:prstGeom prst="rect">
+            <a:avLst/>
+          </a:prstGeom>
+          <a:solidFill>
+            <a:schemeClr val="accent6">
+              <a:lumMod val="60000"/>
+              <a:lumOff val="40000"/>
+            </a:schemeClr>
+          </a:solidFill>
+        </p:spPr>
+        <p:txBody>
+          <a:bodyPr wrap="square" rtlCol="0">
+            <a:spAutoFit/>
+          </a:bodyPr>
+          <a:lstStyle/>
+          <a:p>
+            <a:r>
+              <a:rPr kumimoji="1" lang="ja-JP" altLang="en-US" sz="1200" dirty="0"/>
+              <a:t>ライブラリ</a:t>
+            </a:r>
+            <a:endParaRPr kumimoji="1" lang="en-US" altLang="ja-JP" sz="1200" dirty="0"/>
+          </a:p>
+          <a:p>
+            <a:r>
+              <a:rPr kumimoji="1" lang="ja-JP" altLang="en-US" sz="1200" dirty="0"/>
+              <a:t>（パッケージ）</a:t>
+            </a:r>
+          </a:p>
+        </p:txBody>
+      </p:sp>
+      <p:sp>
+        <p:nvSpPr>
+          <p:cNvPr id="72" name="四角形: 角を丸くする 71">
+            <a:extLst>
+              <a:ext uri="{FF2B5EF4-FFF2-40B4-BE49-F238E27FC236}">
+                <a16:creationId xmlns:a16="http://schemas.microsoft.com/office/drawing/2014/main" id="{0CD6E749-476F-44D0-9B3D-12C161659D52}"/>
+              </a:ext>
+            </a:extLst>
+          </p:cNvPr>
+          <p:cNvSpPr/>
+          <p:nvPr/>
+        </p:nvSpPr>
+        <p:spPr>
+          <a:xfrm>
+            <a:off x="7085404" y="5096344"/>
+            <a:ext cx="2156060" cy="441813"/>
+          </a:xfrm>
+          <a:prstGeom prst="roundRect">
+            <a:avLst>
+              <a:gd name="adj" fmla="val 6511"/>
+            </a:avLst>
+          </a:prstGeom>
+          <a:noFill/>
+        </p:spPr>
+        <p:style>
+          <a:lnRef idx="2">
+            <a:schemeClr val="accent1">
+              <a:shade val="15000"/>
+            </a:schemeClr>
+          </a:lnRef>
+          <a:fillRef idx="1">
+            <a:schemeClr val="accent1"/>
+          </a:fillRef>
+          <a:effectRef idx="0">
+            <a:schemeClr val="accent1"/>
+          </a:effectRef>
+          <a:fontRef idx="minor">
+            <a:schemeClr val="lt1"/>
+          </a:fontRef>
+        </p:style>
+        <p:txBody>
+          <a:bodyPr rtlCol="0" anchor="ctr"/>
+          <a:lstStyle/>
+          <a:p>
+            <a:pPr algn="ctr"/>
+            <a:endParaRPr kumimoji="1" lang="ja-JP" altLang="en-US"/>
+          </a:p>
+        </p:txBody>
+      </p:sp>
+      <p:sp>
+        <p:nvSpPr>
+          <p:cNvPr id="74" name="テキスト ボックス 73">
+            <a:extLst>
+              <a:ext uri="{FF2B5EF4-FFF2-40B4-BE49-F238E27FC236}">
+                <a16:creationId xmlns:a16="http://schemas.microsoft.com/office/drawing/2014/main" id="{F415CD5E-25E5-4BBA-B75D-A329A3D64FFA}"/>
+              </a:ext>
+            </a:extLst>
+          </p:cNvPr>
+          <p:cNvSpPr txBox="1"/>
+          <p:nvPr/>
+        </p:nvSpPr>
+        <p:spPr>
+          <a:xfrm>
+            <a:off x="7247430" y="4940933"/>
+            <a:ext cx="1832008" cy="276999"/>
+          </a:xfrm>
+          <a:prstGeom prst="rect">
+            <a:avLst/>
+          </a:prstGeom>
+          <a:solidFill>
+            <a:schemeClr val="accent6">
+              <a:lumMod val="60000"/>
+              <a:lumOff val="40000"/>
+            </a:schemeClr>
+          </a:solidFill>
+        </p:spPr>
+        <p:txBody>
+          <a:bodyPr wrap="square" rtlCol="0">
+            <a:spAutoFit/>
+          </a:bodyPr>
+          <a:lstStyle/>
+          <a:p>
+            <a:r>
+              <a:rPr kumimoji="1" lang="ja-JP" altLang="en-US" sz="1200" dirty="0"/>
+              <a:t>パッケージ管理ツール</a:t>
+            </a:r>
+          </a:p>
+        </p:txBody>
+      </p:sp>
     </p:spTree>
     <p:extLst>
       <p:ext uri="{BB962C8B-B14F-4D97-AF65-F5344CB8AC3E}">
         <p14:creationId xmlns:p14="http://schemas.microsoft.com/office/powerpoint/2010/main" val="1173988318"/>
+      </p:ext>
+    </p:extLst>
+  </p:cSld>
+  <p:clrMapOvr>
+    <a:masterClrMapping/>
+  </p:clrMapOvr>
+</p:sld>
+</file>
+
+<file path=ppt/slides/slide5.xml><?xml version="1.0" encoding="utf-8"?>
+<p:sld xmlns:a="http://schemas.openxmlformats.org/drawingml/2006/main" xmlns:r="http://schemas.openxmlformats.org/officeDocument/2006/relationships" xmlns:p="http://schemas.openxmlformats.org/presentationml/2006/main">
+  <p:cSld>
+    <p:spTree>
+      <p:nvGrpSpPr>
+        <p:cNvPr id="1" name=""/>
+        <p:cNvGrpSpPr/>
+        <p:nvPr/>
+      </p:nvGrpSpPr>
+      <p:grpSpPr>
+        <a:xfrm>
+          <a:off x="0" y="0"/>
+          <a:ext cx="0" cy="0"/>
+          <a:chOff x="0" y="0"/>
+          <a:chExt cx="0" cy="0"/>
+        </a:xfrm>
+      </p:grpSpPr>
+      <p:sp>
+        <p:nvSpPr>
+          <p:cNvPr id="34" name="四角形: メモ 33">
+            <a:extLst>
+              <a:ext uri="{FF2B5EF4-FFF2-40B4-BE49-F238E27FC236}">
+                <a16:creationId xmlns:a16="http://schemas.microsoft.com/office/drawing/2014/main" id="{D9487266-7B2D-47F9-B99D-19E68F0116F7}"/>
+              </a:ext>
+            </a:extLst>
+          </p:cNvPr>
+          <p:cNvSpPr/>
+          <p:nvPr/>
+        </p:nvSpPr>
+        <p:spPr>
+          <a:xfrm>
+            <a:off x="4866517" y="851012"/>
+            <a:ext cx="2855982" cy="2496730"/>
+          </a:xfrm>
+          <a:prstGeom prst="foldedCorner">
+            <a:avLst/>
+          </a:prstGeom>
+        </p:spPr>
+        <p:style>
+          <a:lnRef idx="2">
+            <a:schemeClr val="accent4"/>
+          </a:lnRef>
+          <a:fillRef idx="1">
+            <a:schemeClr val="lt1"/>
+          </a:fillRef>
+          <a:effectRef idx="0">
+            <a:schemeClr val="accent4"/>
+          </a:effectRef>
+          <a:fontRef idx="minor">
+            <a:schemeClr val="dk1"/>
+          </a:fontRef>
+        </p:style>
+        <p:txBody>
+          <a:bodyPr rtlCol="0" anchor="t"/>
+          <a:lstStyle/>
+          <a:p>
+            <a:endParaRPr lang="ja-JP" altLang="en-US" sz="1400"/>
+          </a:p>
+        </p:txBody>
+      </p:sp>
+      <p:sp>
+        <p:nvSpPr>
+          <p:cNvPr id="32" name="四角形: メモ 31">
+            <a:extLst>
+              <a:ext uri="{FF2B5EF4-FFF2-40B4-BE49-F238E27FC236}">
+                <a16:creationId xmlns:a16="http://schemas.microsoft.com/office/drawing/2014/main" id="{D3EA9FF2-EA07-495F-8AE6-3E8AEA115E09}"/>
+              </a:ext>
+            </a:extLst>
+          </p:cNvPr>
+          <p:cNvSpPr/>
+          <p:nvPr/>
+        </p:nvSpPr>
+        <p:spPr>
+          <a:xfrm>
+            <a:off x="4714117" y="698612"/>
+            <a:ext cx="2855982" cy="2496730"/>
+          </a:xfrm>
+          <a:prstGeom prst="foldedCorner">
+            <a:avLst/>
+          </a:prstGeom>
+        </p:spPr>
+        <p:style>
+          <a:lnRef idx="2">
+            <a:schemeClr val="accent4"/>
+          </a:lnRef>
+          <a:fillRef idx="1">
+            <a:schemeClr val="lt1"/>
+          </a:fillRef>
+          <a:effectRef idx="0">
+            <a:schemeClr val="accent4"/>
+          </a:effectRef>
+          <a:fontRef idx="minor">
+            <a:schemeClr val="dk1"/>
+          </a:fontRef>
+        </p:style>
+        <p:txBody>
+          <a:bodyPr rtlCol="0" anchor="t"/>
+          <a:lstStyle/>
+          <a:p>
+            <a:endParaRPr lang="ja-JP" altLang="en-US" sz="1400"/>
+          </a:p>
+        </p:txBody>
+      </p:sp>
+      <p:sp>
+        <p:nvSpPr>
+          <p:cNvPr id="25" name="四角形: メモ 24">
+            <a:extLst>
+              <a:ext uri="{FF2B5EF4-FFF2-40B4-BE49-F238E27FC236}">
+                <a16:creationId xmlns:a16="http://schemas.microsoft.com/office/drawing/2014/main" id="{DB71BB2A-E197-4E32-BFC0-74373128AAE2}"/>
+              </a:ext>
+            </a:extLst>
+          </p:cNvPr>
+          <p:cNvSpPr/>
+          <p:nvPr/>
+        </p:nvSpPr>
+        <p:spPr>
+          <a:xfrm>
+            <a:off x="856404" y="967504"/>
+            <a:ext cx="1677247" cy="1082984"/>
+          </a:xfrm>
+          <a:prstGeom prst="foldedCorner">
+            <a:avLst/>
+          </a:prstGeom>
+        </p:spPr>
+        <p:style>
+          <a:lnRef idx="2">
+            <a:schemeClr val="accent1"/>
+          </a:lnRef>
+          <a:fillRef idx="1">
+            <a:schemeClr val="lt1"/>
+          </a:fillRef>
+          <a:effectRef idx="0">
+            <a:schemeClr val="accent1"/>
+          </a:effectRef>
+          <a:fontRef idx="minor">
+            <a:schemeClr val="dk1"/>
+          </a:fontRef>
+        </p:style>
+        <p:txBody>
+          <a:bodyPr rtlCol="0" anchor="t"/>
+          <a:lstStyle/>
+          <a:p>
+            <a:r>
+              <a:rPr lang="LID4096" altLang="ja" sz="1400" dirty="0"/>
+              <a:t>Python</a:t>
+            </a:r>
+            <a:r>
+              <a:rPr lang="ja" altLang="en-US" sz="1400" dirty="0"/>
+              <a:t>コード</a:t>
+            </a:r>
+            <a:endParaRPr lang="ja-JP" altLang="en-US" sz="1400" dirty="0"/>
+          </a:p>
+        </p:txBody>
+      </p:sp>
+      <p:sp>
+        <p:nvSpPr>
+          <p:cNvPr id="4" name="四角形: メモ 3">
+            <a:extLst>
+              <a:ext uri="{FF2B5EF4-FFF2-40B4-BE49-F238E27FC236}">
+                <a16:creationId xmlns:a16="http://schemas.microsoft.com/office/drawing/2014/main" id="{799D66FB-0105-4944-9921-0FA834F5CDB9}"/>
+              </a:ext>
+            </a:extLst>
+          </p:cNvPr>
+          <p:cNvSpPr/>
+          <p:nvPr/>
+        </p:nvSpPr>
+        <p:spPr>
+          <a:xfrm>
+            <a:off x="1018329" y="1293042"/>
+            <a:ext cx="1677247" cy="1082984"/>
+          </a:xfrm>
+          <a:prstGeom prst="foldedCorner">
+            <a:avLst/>
+          </a:prstGeom>
+        </p:spPr>
+        <p:style>
+          <a:lnRef idx="2">
+            <a:schemeClr val="accent1"/>
+          </a:lnRef>
+          <a:fillRef idx="1">
+            <a:schemeClr val="lt1"/>
+          </a:fillRef>
+          <a:effectRef idx="0">
+            <a:schemeClr val="accent1"/>
+          </a:effectRef>
+          <a:fontRef idx="minor">
+            <a:schemeClr val="dk1"/>
+          </a:fontRef>
+        </p:style>
+        <p:txBody>
+          <a:bodyPr rtlCol="0" anchor="t"/>
+          <a:lstStyle/>
+          <a:p>
+            <a:r>
+              <a:rPr lang="LID4096" altLang="ja" sz="1400" dirty="0"/>
+              <a:t>Python</a:t>
+            </a:r>
+            <a:r>
+              <a:rPr lang="ja" altLang="en-US" sz="1400" dirty="0"/>
+              <a:t>コード</a:t>
+            </a:r>
+            <a:endParaRPr lang="ja-JP" altLang="en-US" sz="1400" dirty="0"/>
+          </a:p>
+        </p:txBody>
+      </p:sp>
+      <p:sp>
+        <p:nvSpPr>
+          <p:cNvPr id="6" name="四角形: メモ 5">
+            <a:extLst>
+              <a:ext uri="{FF2B5EF4-FFF2-40B4-BE49-F238E27FC236}">
+                <a16:creationId xmlns:a16="http://schemas.microsoft.com/office/drawing/2014/main" id="{796192E5-7511-44EE-91A5-316D5E7C0EE3}"/>
+              </a:ext>
+            </a:extLst>
+          </p:cNvPr>
+          <p:cNvSpPr/>
+          <p:nvPr/>
+        </p:nvSpPr>
+        <p:spPr>
+          <a:xfrm>
+            <a:off x="1180254" y="1630881"/>
+            <a:ext cx="1677247" cy="1082984"/>
+          </a:xfrm>
+          <a:prstGeom prst="foldedCorner">
+            <a:avLst/>
+          </a:prstGeom>
+        </p:spPr>
+        <p:style>
+          <a:lnRef idx="1">
+            <a:schemeClr val="accent2"/>
+          </a:lnRef>
+          <a:fillRef idx="2">
+            <a:schemeClr val="accent2"/>
+          </a:fillRef>
+          <a:effectRef idx="1">
+            <a:schemeClr val="accent2"/>
+          </a:effectRef>
+          <a:fontRef idx="minor">
+            <a:schemeClr val="dk1"/>
+          </a:fontRef>
+        </p:style>
+        <p:txBody>
+          <a:bodyPr rtlCol="0" anchor="t"/>
+          <a:lstStyle/>
+          <a:p>
+            <a:r>
+              <a:rPr lang="ja" altLang="en-US" sz="1400" dirty="0"/>
+              <a:t>説明資料</a:t>
+            </a:r>
+            <a:endParaRPr lang="en-US" altLang="ja" sz="1400" dirty="0"/>
+          </a:p>
+          <a:p>
+            <a:r>
+              <a:rPr lang="en-US" altLang="ja" sz="900" dirty="0"/>
+              <a:t>※</a:t>
+            </a:r>
+            <a:r>
+              <a:rPr lang="ja" altLang="en-US" sz="900" dirty="0"/>
+              <a:t>開くのは別アプリの</a:t>
+            </a:r>
+            <a:br>
+              <a:rPr lang="en-US" altLang="ja" sz="900" dirty="0"/>
+            </a:br>
+            <a:r>
+              <a:rPr lang="ja" altLang="en-US" sz="900" dirty="0"/>
+              <a:t>　場合あり</a:t>
+            </a:r>
+            <a:endParaRPr lang="ja-JP" altLang="en-US" sz="900" dirty="0"/>
+          </a:p>
+        </p:txBody>
+      </p:sp>
+      <p:sp>
+        <p:nvSpPr>
+          <p:cNvPr id="8" name="四角形: メモ 7">
+            <a:extLst>
+              <a:ext uri="{FF2B5EF4-FFF2-40B4-BE49-F238E27FC236}">
+                <a16:creationId xmlns:a16="http://schemas.microsoft.com/office/drawing/2014/main" id="{4E377692-3C1B-4CA2-8E05-C673081CF38F}"/>
+              </a:ext>
+            </a:extLst>
+          </p:cNvPr>
+          <p:cNvSpPr/>
+          <p:nvPr/>
+        </p:nvSpPr>
+        <p:spPr>
+          <a:xfrm>
+            <a:off x="1404468" y="2219575"/>
+            <a:ext cx="1677247" cy="903281"/>
+          </a:xfrm>
+          <a:prstGeom prst="foldedCorner">
+            <a:avLst/>
+          </a:prstGeom>
+        </p:spPr>
+        <p:style>
+          <a:lnRef idx="2">
+            <a:schemeClr val="accent6"/>
+          </a:lnRef>
+          <a:fillRef idx="1">
+            <a:schemeClr val="lt1"/>
+          </a:fillRef>
+          <a:effectRef idx="0">
+            <a:schemeClr val="accent6"/>
+          </a:effectRef>
+          <a:fontRef idx="minor">
+            <a:schemeClr val="dk1"/>
+          </a:fontRef>
+        </p:style>
+        <p:txBody>
+          <a:bodyPr rtlCol="0" anchor="t"/>
+          <a:lstStyle/>
+          <a:p>
+            <a:r>
+              <a:rPr lang="ja" altLang="en-US" sz="1400" dirty="0"/>
+              <a:t>実行結果（ログ）</a:t>
+            </a:r>
+            <a:endParaRPr lang="en-US" altLang="ja" sz="1400" dirty="0"/>
+          </a:p>
+          <a:p>
+            <a:r>
+              <a:rPr lang="en-US" altLang="ja" sz="900" dirty="0"/>
+              <a:t>※</a:t>
+            </a:r>
+            <a:r>
+              <a:rPr lang="ja" altLang="en-US" sz="900" dirty="0"/>
+              <a:t>開くのは別アプリの</a:t>
+            </a:r>
+            <a:br>
+              <a:rPr lang="en-US" altLang="ja" sz="900" dirty="0"/>
+            </a:br>
+            <a:r>
+              <a:rPr lang="ja" altLang="en-US" sz="900" dirty="0"/>
+              <a:t>　場合あり</a:t>
+            </a:r>
+            <a:endParaRPr lang="ja-JP" altLang="en-US" sz="900" dirty="0"/>
+          </a:p>
+        </p:txBody>
+      </p:sp>
+      <p:sp>
+        <p:nvSpPr>
+          <p:cNvPr id="9" name="四角形: 角を丸くする 8">
+            <a:extLst>
+              <a:ext uri="{FF2B5EF4-FFF2-40B4-BE49-F238E27FC236}">
+                <a16:creationId xmlns:a16="http://schemas.microsoft.com/office/drawing/2014/main" id="{87A6D5B2-DCA5-4658-B631-DC79DBD0AEA4}"/>
+              </a:ext>
+            </a:extLst>
+          </p:cNvPr>
+          <p:cNvSpPr/>
+          <p:nvPr/>
+        </p:nvSpPr>
+        <p:spPr>
+          <a:xfrm>
+            <a:off x="657814" y="546212"/>
+            <a:ext cx="2621146" cy="2732748"/>
+          </a:xfrm>
+          <a:prstGeom prst="roundRect">
+            <a:avLst>
+              <a:gd name="adj" fmla="val 10214"/>
+            </a:avLst>
+          </a:prstGeom>
+          <a:noFill/>
+        </p:spPr>
+        <p:style>
+          <a:lnRef idx="2">
+            <a:schemeClr val="dk1"/>
+          </a:lnRef>
+          <a:fillRef idx="1">
+            <a:schemeClr val="lt1"/>
+          </a:fillRef>
+          <a:effectRef idx="0">
+            <a:schemeClr val="dk1"/>
+          </a:effectRef>
+          <a:fontRef idx="minor">
+            <a:schemeClr val="dk1"/>
+          </a:fontRef>
+        </p:style>
+        <p:txBody>
+          <a:bodyPr rtlCol="0" anchor="ctr"/>
+          <a:lstStyle/>
+          <a:p>
+            <a:pPr algn="ctr"/>
+            <a:endParaRPr lang="ja-JP" altLang="en-US"/>
+          </a:p>
+        </p:txBody>
+      </p:sp>
+      <p:sp>
+        <p:nvSpPr>
+          <p:cNvPr id="13" name="四角形: メモ 12">
+            <a:extLst>
+              <a:ext uri="{FF2B5EF4-FFF2-40B4-BE49-F238E27FC236}">
+                <a16:creationId xmlns:a16="http://schemas.microsoft.com/office/drawing/2014/main" id="{AC7264C9-104B-4CED-81AA-E59478F476C0}"/>
+              </a:ext>
+            </a:extLst>
+          </p:cNvPr>
+          <p:cNvSpPr/>
+          <p:nvPr/>
+        </p:nvSpPr>
+        <p:spPr>
+          <a:xfrm>
+            <a:off x="4561717" y="546212"/>
+            <a:ext cx="2855982" cy="2496730"/>
+          </a:xfrm>
+          <a:prstGeom prst="foldedCorner">
+            <a:avLst/>
+          </a:prstGeom>
+        </p:spPr>
+        <p:style>
+          <a:lnRef idx="2">
+            <a:schemeClr val="accent4"/>
+          </a:lnRef>
+          <a:fillRef idx="1">
+            <a:schemeClr val="lt1"/>
+          </a:fillRef>
+          <a:effectRef idx="0">
+            <a:schemeClr val="accent4"/>
+          </a:effectRef>
+          <a:fontRef idx="minor">
+            <a:schemeClr val="dk1"/>
+          </a:fontRef>
+        </p:style>
+        <p:txBody>
+          <a:bodyPr rtlCol="0" anchor="t"/>
+          <a:lstStyle/>
+          <a:p>
+            <a:endParaRPr lang="ja-JP" altLang="en-US" sz="1400"/>
+          </a:p>
+        </p:txBody>
+      </p:sp>
+      <p:sp>
+        <p:nvSpPr>
+          <p:cNvPr id="14" name="正方形/長方形 13">
+            <a:extLst>
+              <a:ext uri="{FF2B5EF4-FFF2-40B4-BE49-F238E27FC236}">
+                <a16:creationId xmlns:a16="http://schemas.microsoft.com/office/drawing/2014/main" id="{CF250A3A-6B40-4C59-90B9-C63C9ADF4A18}"/>
+              </a:ext>
+            </a:extLst>
+          </p:cNvPr>
+          <p:cNvSpPr/>
+          <p:nvPr/>
+        </p:nvSpPr>
+        <p:spPr>
+          <a:xfrm>
+            <a:off x="5758153" y="1041176"/>
+            <a:ext cx="1424710" cy="710579"/>
+          </a:xfrm>
+          <a:prstGeom prst="rect">
+            <a:avLst/>
+          </a:prstGeom>
+        </p:spPr>
+        <p:style>
+          <a:lnRef idx="2">
+            <a:schemeClr val="accent1"/>
+          </a:lnRef>
+          <a:fillRef idx="1">
+            <a:schemeClr val="lt1"/>
+          </a:fillRef>
+          <a:effectRef idx="0">
+            <a:schemeClr val="accent1"/>
+          </a:effectRef>
+          <a:fontRef idx="minor">
+            <a:schemeClr val="dk1"/>
+          </a:fontRef>
+        </p:style>
+        <p:txBody>
+          <a:bodyPr rtlCol="0" anchor="t"/>
+          <a:lstStyle/>
+          <a:p>
+            <a:r>
+              <a:rPr lang="LID4096" altLang="ja-JP" sz="1400" dirty="0"/>
+              <a:t>Python</a:t>
+            </a:r>
+            <a:r>
+              <a:rPr lang="ja" altLang="en-US" sz="1400" dirty="0"/>
+              <a:t>コード１</a:t>
+            </a:r>
+            <a:endParaRPr lang="ja-JP" altLang="en-US" sz="1400" dirty="0"/>
+          </a:p>
+        </p:txBody>
+      </p:sp>
+      <p:sp>
+        <p:nvSpPr>
+          <p:cNvPr id="16" name="正方形/長方形 15">
+            <a:extLst>
+              <a:ext uri="{FF2B5EF4-FFF2-40B4-BE49-F238E27FC236}">
+                <a16:creationId xmlns:a16="http://schemas.microsoft.com/office/drawing/2014/main" id="{56D6FE7E-39F8-4DDC-8B93-FFE30109FBDB}"/>
+              </a:ext>
+            </a:extLst>
+          </p:cNvPr>
+          <p:cNvSpPr/>
+          <p:nvPr/>
+        </p:nvSpPr>
+        <p:spPr>
+          <a:xfrm>
+            <a:off x="4712339" y="1041177"/>
+            <a:ext cx="921733" cy="710579"/>
+          </a:xfrm>
+          <a:prstGeom prst="rect">
+            <a:avLst/>
+          </a:prstGeom>
+        </p:spPr>
+        <p:style>
+          <a:lnRef idx="2">
+            <a:schemeClr val="accent2"/>
+          </a:lnRef>
+          <a:fillRef idx="1">
+            <a:schemeClr val="lt1"/>
+          </a:fillRef>
+          <a:effectRef idx="0">
+            <a:schemeClr val="accent2"/>
+          </a:effectRef>
+          <a:fontRef idx="minor">
+            <a:schemeClr val="dk1"/>
+          </a:fontRef>
+        </p:style>
+        <p:txBody>
+          <a:bodyPr rtlCol="0" anchor="t"/>
+          <a:lstStyle/>
+          <a:p>
+            <a:r>
+              <a:rPr lang="ja" altLang="en-US" sz="1400" dirty="0"/>
+              <a:t>説明資料</a:t>
+            </a:r>
+            <a:endParaRPr lang="ja-JP" altLang="en-US" sz="1400" dirty="0"/>
+          </a:p>
+        </p:txBody>
+      </p:sp>
+      <p:sp>
+        <p:nvSpPr>
+          <p:cNvPr id="18" name="正方形/長方形 17">
+            <a:extLst>
+              <a:ext uri="{FF2B5EF4-FFF2-40B4-BE49-F238E27FC236}">
+                <a16:creationId xmlns:a16="http://schemas.microsoft.com/office/drawing/2014/main" id="{D90F9BDA-A539-49B7-AA61-F57E19F38DB3}"/>
+              </a:ext>
+            </a:extLst>
+          </p:cNvPr>
+          <p:cNvSpPr/>
+          <p:nvPr/>
+        </p:nvSpPr>
+        <p:spPr>
+          <a:xfrm>
+            <a:off x="6268463" y="1917643"/>
+            <a:ext cx="914400" cy="705522"/>
+          </a:xfrm>
+          <a:prstGeom prst="rect">
+            <a:avLst/>
+          </a:prstGeom>
+        </p:spPr>
+        <p:style>
+          <a:lnRef idx="2">
+            <a:schemeClr val="accent6"/>
+          </a:lnRef>
+          <a:fillRef idx="1">
+            <a:schemeClr val="lt1"/>
+          </a:fillRef>
+          <a:effectRef idx="0">
+            <a:schemeClr val="accent6"/>
+          </a:effectRef>
+          <a:fontRef idx="minor">
+            <a:schemeClr val="dk1"/>
+          </a:fontRef>
+        </p:style>
+        <p:txBody>
+          <a:bodyPr rtlCol="0" anchor="t"/>
+          <a:lstStyle/>
+          <a:p>
+            <a:r>
+              <a:rPr lang="ja" altLang="en-US" sz="1400" dirty="0"/>
+              <a:t>実行結果</a:t>
+            </a:r>
+            <a:endParaRPr lang="ja-JP" altLang="en-US" sz="1400" dirty="0"/>
+          </a:p>
+        </p:txBody>
+      </p:sp>
+      <p:sp>
+        <p:nvSpPr>
+          <p:cNvPr id="19" name="正方形/長方形 18">
+            <a:extLst>
+              <a:ext uri="{FF2B5EF4-FFF2-40B4-BE49-F238E27FC236}">
+                <a16:creationId xmlns:a16="http://schemas.microsoft.com/office/drawing/2014/main" id="{C8BF597A-1950-45EA-9FE6-F6761D79D1F9}"/>
+              </a:ext>
+            </a:extLst>
+          </p:cNvPr>
+          <p:cNvSpPr/>
+          <p:nvPr/>
+        </p:nvSpPr>
+        <p:spPr>
+          <a:xfrm>
+            <a:off x="910522" y="546212"/>
+            <a:ext cx="1407337" cy="301092"/>
+          </a:xfrm>
+          <a:prstGeom prst="rect">
+            <a:avLst/>
+          </a:prstGeom>
+        </p:spPr>
+        <p:style>
+          <a:lnRef idx="2">
+            <a:schemeClr val="dk1">
+              <a:shade val="50000"/>
+            </a:schemeClr>
+          </a:lnRef>
+          <a:fillRef idx="1">
+            <a:schemeClr val="dk1"/>
+          </a:fillRef>
+          <a:effectRef idx="0">
+            <a:schemeClr val="dk1"/>
+          </a:effectRef>
+          <a:fontRef idx="minor">
+            <a:schemeClr val="lt1"/>
+          </a:fontRef>
+        </p:style>
+        <p:txBody>
+          <a:bodyPr rtlCol="0" anchor="ctr"/>
+          <a:lstStyle/>
+          <a:p>
+            <a:pPr algn="ctr"/>
+            <a:r>
+              <a:rPr lang="ja" altLang="en-US" sz="1400" dirty="0"/>
+              <a:t>プロジェクト</a:t>
+            </a:r>
+            <a:endParaRPr lang="ja-JP" altLang="en-US" sz="1400" dirty="0"/>
+          </a:p>
+        </p:txBody>
+      </p:sp>
+      <p:sp>
+        <p:nvSpPr>
+          <p:cNvPr id="23" name="正方形/長方形 22">
+            <a:extLst>
+              <a:ext uri="{FF2B5EF4-FFF2-40B4-BE49-F238E27FC236}">
+                <a16:creationId xmlns:a16="http://schemas.microsoft.com/office/drawing/2014/main" id="{08F8332C-5901-4A45-973B-B00E55232C81}"/>
+              </a:ext>
+            </a:extLst>
+          </p:cNvPr>
+          <p:cNvSpPr/>
+          <p:nvPr/>
+        </p:nvSpPr>
+        <p:spPr>
+          <a:xfrm>
+            <a:off x="4712339" y="546212"/>
+            <a:ext cx="1706916" cy="284908"/>
+          </a:xfrm>
+          <a:prstGeom prst="rect">
+            <a:avLst/>
+          </a:prstGeom>
+        </p:spPr>
+        <p:style>
+          <a:lnRef idx="1">
+            <a:schemeClr val="accent4"/>
+          </a:lnRef>
+          <a:fillRef idx="2">
+            <a:schemeClr val="accent4"/>
+          </a:fillRef>
+          <a:effectRef idx="1">
+            <a:schemeClr val="accent4"/>
+          </a:effectRef>
+          <a:fontRef idx="minor">
+            <a:schemeClr val="dk1"/>
+          </a:fontRef>
+        </p:style>
+        <p:txBody>
+          <a:bodyPr rtlCol="0" anchor="ctr"/>
+          <a:lstStyle/>
+          <a:p>
+            <a:pPr algn="ctr"/>
+            <a:r>
+              <a:rPr lang="af-ZA" altLang="ja-JP" sz="1400" dirty="0"/>
+              <a:t>N</a:t>
+            </a:r>
+            <a:r>
+              <a:rPr lang="LID4096" altLang="ja-JP" sz="1400" dirty="0"/>
+              <a:t>otebook(*</a:t>
+            </a:r>
+            <a:r>
+              <a:rPr lang="af-ZA" altLang="ja-JP" sz="1400" dirty="0"/>
+              <a:t>.ipynb</a:t>
+            </a:r>
+            <a:r>
+              <a:rPr lang="LID4096" altLang="ja-JP" sz="1400" dirty="0"/>
+              <a:t>)</a:t>
+            </a:r>
+            <a:endParaRPr lang="ja-JP" altLang="en-US" sz="1400" dirty="0"/>
+          </a:p>
+        </p:txBody>
+      </p:sp>
+      <p:sp>
+        <p:nvSpPr>
+          <p:cNvPr id="29" name="正方形/長方形 28">
+            <a:extLst>
+              <a:ext uri="{FF2B5EF4-FFF2-40B4-BE49-F238E27FC236}">
+                <a16:creationId xmlns:a16="http://schemas.microsoft.com/office/drawing/2014/main" id="{CBC60324-2E9A-4F62-A26E-86C36FE3DAA6}"/>
+              </a:ext>
+            </a:extLst>
+          </p:cNvPr>
+          <p:cNvSpPr/>
+          <p:nvPr/>
+        </p:nvSpPr>
+        <p:spPr>
+          <a:xfrm>
+            <a:off x="4712339" y="1912586"/>
+            <a:ext cx="1424710" cy="710579"/>
+          </a:xfrm>
+          <a:prstGeom prst="rect">
+            <a:avLst/>
+          </a:prstGeom>
+        </p:spPr>
+        <p:style>
+          <a:lnRef idx="2">
+            <a:schemeClr val="accent1"/>
+          </a:lnRef>
+          <a:fillRef idx="1">
+            <a:schemeClr val="lt1"/>
+          </a:fillRef>
+          <a:effectRef idx="0">
+            <a:schemeClr val="accent1"/>
+          </a:effectRef>
+          <a:fontRef idx="minor">
+            <a:schemeClr val="dk1"/>
+          </a:fontRef>
+        </p:style>
+        <p:txBody>
+          <a:bodyPr rtlCol="0" anchor="t"/>
+          <a:lstStyle/>
+          <a:p>
+            <a:r>
+              <a:rPr lang="LID4096" altLang="ja-JP" sz="1400" dirty="0"/>
+              <a:t>Python</a:t>
+            </a:r>
+            <a:r>
+              <a:rPr lang="ja" altLang="en-US" sz="1400" dirty="0"/>
+              <a:t>コード２</a:t>
+            </a:r>
+            <a:endParaRPr lang="ja-JP" altLang="en-US" sz="1400" dirty="0"/>
+          </a:p>
+        </p:txBody>
+      </p:sp>
+    </p:spTree>
+    <p:extLst>
+      <p:ext uri="{BB962C8B-B14F-4D97-AF65-F5344CB8AC3E}">
+        <p14:creationId xmlns:p14="http://schemas.microsoft.com/office/powerpoint/2010/main" val="2686720810"/>
       </p:ext>
     </p:extLst>
   </p:cSld>

--- a/qiita-python-anaconda-jupyternotebook/resource/python-dev.pptx
+++ b/qiita-python-anaconda-jupyternotebook/resource/python-dev.pptx
@@ -247,7 +247,7 @@
           <a:p>
             <a:fld id="{D908F6F1-E74C-4574-9C27-AD39C17A2151}" type="datetimeFigureOut">
               <a:rPr kumimoji="1" lang="ja-JP" altLang="en-US" smtClean="0"/>
-              <a:t>2024/1/14</a:t>
+              <a:t>2024/1/15</a:t>
             </a:fld>
             <a:endParaRPr kumimoji="1" lang="ja-JP" altLang="en-US"/>
           </a:p>
@@ -449,7 +449,7 @@
           <a:p>
             <a:fld id="{D908F6F1-E74C-4574-9C27-AD39C17A2151}" type="datetimeFigureOut">
               <a:rPr kumimoji="1" lang="ja-JP" altLang="en-US" smtClean="0"/>
-              <a:t>2024/1/14</a:t>
+              <a:t>2024/1/15</a:t>
             </a:fld>
             <a:endParaRPr kumimoji="1" lang="ja-JP" altLang="en-US"/>
           </a:p>
@@ -661,7 +661,7 @@
           <a:p>
             <a:fld id="{D908F6F1-E74C-4574-9C27-AD39C17A2151}" type="datetimeFigureOut">
               <a:rPr kumimoji="1" lang="ja-JP" altLang="en-US" smtClean="0"/>
-              <a:t>2024/1/14</a:t>
+              <a:t>2024/1/15</a:t>
             </a:fld>
             <a:endParaRPr kumimoji="1" lang="ja-JP" altLang="en-US"/>
           </a:p>
@@ -863,7 +863,7 @@
           <a:p>
             <a:fld id="{D908F6F1-E74C-4574-9C27-AD39C17A2151}" type="datetimeFigureOut">
               <a:rPr kumimoji="1" lang="ja-JP" altLang="en-US" smtClean="0"/>
-              <a:t>2024/1/14</a:t>
+              <a:t>2024/1/15</a:t>
             </a:fld>
             <a:endParaRPr kumimoji="1" lang="ja-JP" altLang="en-US"/>
           </a:p>
@@ -1107,7 +1107,7 @@
           <a:p>
             <a:fld id="{D908F6F1-E74C-4574-9C27-AD39C17A2151}" type="datetimeFigureOut">
               <a:rPr kumimoji="1" lang="ja-JP" altLang="en-US" smtClean="0"/>
-              <a:t>2024/1/14</a:t>
+              <a:t>2024/1/15</a:t>
             </a:fld>
             <a:endParaRPr kumimoji="1" lang="ja-JP" altLang="en-US"/>
           </a:p>
@@ -1403,7 +1403,7 @@
           <a:p>
             <a:fld id="{D908F6F1-E74C-4574-9C27-AD39C17A2151}" type="datetimeFigureOut">
               <a:rPr kumimoji="1" lang="ja-JP" altLang="en-US" smtClean="0"/>
-              <a:t>2024/1/14</a:t>
+              <a:t>2024/1/15</a:t>
             </a:fld>
             <a:endParaRPr kumimoji="1" lang="ja-JP" altLang="en-US"/>
           </a:p>
@@ -1834,7 +1834,7 @@
           <a:p>
             <a:fld id="{D908F6F1-E74C-4574-9C27-AD39C17A2151}" type="datetimeFigureOut">
               <a:rPr kumimoji="1" lang="ja-JP" altLang="en-US" smtClean="0"/>
-              <a:t>2024/1/14</a:t>
+              <a:t>2024/1/15</a:t>
             </a:fld>
             <a:endParaRPr kumimoji="1" lang="ja-JP" altLang="en-US"/>
           </a:p>
@@ -1952,7 +1952,7 @@
           <a:p>
             <a:fld id="{D908F6F1-E74C-4574-9C27-AD39C17A2151}" type="datetimeFigureOut">
               <a:rPr kumimoji="1" lang="ja-JP" altLang="en-US" smtClean="0"/>
-              <a:t>2024/1/14</a:t>
+              <a:t>2024/1/15</a:t>
             </a:fld>
             <a:endParaRPr kumimoji="1" lang="ja-JP" altLang="en-US"/>
           </a:p>
@@ -2047,7 +2047,7 @@
           <a:p>
             <a:fld id="{D908F6F1-E74C-4574-9C27-AD39C17A2151}" type="datetimeFigureOut">
               <a:rPr kumimoji="1" lang="ja-JP" altLang="en-US" smtClean="0"/>
-              <a:t>2024/1/14</a:t>
+              <a:t>2024/1/15</a:t>
             </a:fld>
             <a:endParaRPr kumimoji="1" lang="ja-JP" altLang="en-US"/>
           </a:p>
@@ -2356,7 +2356,7 @@
           <a:p>
             <a:fld id="{D908F6F1-E74C-4574-9C27-AD39C17A2151}" type="datetimeFigureOut">
               <a:rPr kumimoji="1" lang="ja-JP" altLang="en-US" smtClean="0"/>
-              <a:t>2024/1/14</a:t>
+              <a:t>2024/1/15</a:t>
             </a:fld>
             <a:endParaRPr kumimoji="1" lang="ja-JP" altLang="en-US"/>
           </a:p>
@@ -2613,7 +2613,7 @@
           <a:p>
             <a:fld id="{D908F6F1-E74C-4574-9C27-AD39C17A2151}" type="datetimeFigureOut">
               <a:rPr kumimoji="1" lang="ja-JP" altLang="en-US" smtClean="0"/>
-              <a:t>2024/1/14</a:t>
+              <a:t>2024/1/15</a:t>
             </a:fld>
             <a:endParaRPr kumimoji="1" lang="ja-JP" altLang="en-US"/>
           </a:p>
@@ -2858,7 +2858,7 @@
           <a:p>
             <a:fld id="{D908F6F1-E74C-4574-9C27-AD39C17A2151}" type="datetimeFigureOut">
               <a:rPr kumimoji="1" lang="ja-JP" altLang="en-US" smtClean="0"/>
-              <a:t>2024/1/14</a:t>
+              <a:t>2024/1/15</a:t>
             </a:fld>
             <a:endParaRPr kumimoji="1" lang="ja-JP" altLang="en-US"/>
           </a:p>
@@ -6453,804 +6453,1172 @@
           </a:p>
         </p:txBody>
       </p:sp>
-      <p:sp>
-        <p:nvSpPr>
-          <p:cNvPr id="6" name="正方形/長方形 5">
+      <p:grpSp>
+        <p:nvGrpSpPr>
+          <p:cNvPr id="33" name="グループ化 32">
             <a:extLst>
               <a:ext uri="{FF2B5EF4-FFF2-40B4-BE49-F238E27FC236}">
-                <a16:creationId xmlns:a16="http://schemas.microsoft.com/office/drawing/2014/main" id="{5F4E3310-21B9-4610-B57F-80E0F0F93D75}"/>
+                <a16:creationId xmlns:a16="http://schemas.microsoft.com/office/drawing/2014/main" id="{89318629-8573-BAD4-EECC-4AC7BF58EA55}"/>
               </a:ext>
             </a:extLst>
           </p:cNvPr>
-          <p:cNvSpPr/>
+          <p:cNvGrpSpPr/>
           <p:nvPr/>
-        </p:nvSpPr>
-        <p:spPr>
-          <a:xfrm>
-            <a:off x="297070" y="3985409"/>
-            <a:ext cx="1414913" cy="914400"/>
-          </a:xfrm>
-          <a:prstGeom prst="rect">
-            <a:avLst/>
-          </a:prstGeom>
-        </p:spPr>
-        <p:style>
-          <a:lnRef idx="1">
-            <a:schemeClr val="accent4"/>
-          </a:lnRef>
-          <a:fillRef idx="2">
-            <a:schemeClr val="accent4"/>
-          </a:fillRef>
-          <a:effectRef idx="1">
-            <a:schemeClr val="accent4"/>
-          </a:effectRef>
-          <a:fontRef idx="minor">
-            <a:schemeClr val="dk1"/>
-          </a:fontRef>
-        </p:style>
-        <p:txBody>
-          <a:bodyPr rtlCol="0" anchor="ctr"/>
-          <a:lstStyle/>
-          <a:p>
-            <a:pPr algn="ctr"/>
-            <a:r>
-              <a:rPr kumimoji="1" lang="en-US" altLang="ja-JP" dirty="0"/>
-              <a:t>Python</a:t>
-            </a:r>
-          </a:p>
-          <a:p>
-            <a:pPr algn="ctr"/>
-            <a:r>
-              <a:rPr kumimoji="1" lang="ja-JP" altLang="en-US" dirty="0"/>
-              <a:t>実行環境</a:t>
-            </a:r>
-            <a:endParaRPr kumimoji="1" lang="en-US" altLang="ja-JP" dirty="0"/>
-          </a:p>
-          <a:p>
-            <a:pPr algn="ctr"/>
-            <a:r>
-              <a:rPr kumimoji="1" lang="en-US" altLang="ja-JP" dirty="0"/>
-              <a:t>(</a:t>
-            </a:r>
-            <a:r>
-              <a:rPr kumimoji="1" lang="en-US" altLang="ja-JP" sz="1100" dirty="0" err="1"/>
-              <a:t>CPython</a:t>
-            </a:r>
-            <a:r>
-              <a:rPr kumimoji="1" lang="en-US" altLang="ja-JP" dirty="0"/>
-              <a:t>)</a:t>
-            </a:r>
-            <a:endParaRPr kumimoji="1" lang="ja-JP" altLang="en-US" dirty="0"/>
-          </a:p>
-        </p:txBody>
-      </p:sp>
-      <p:sp>
-        <p:nvSpPr>
-          <p:cNvPr id="17" name="四角形: 角を丸くする 16">
+        </p:nvGrpSpPr>
+        <p:grpSpPr>
+          <a:xfrm>
+            <a:off x="4891498" y="3564711"/>
+            <a:ext cx="4754876" cy="2462903"/>
+            <a:chOff x="4891498" y="3564711"/>
+            <a:chExt cx="4754876" cy="2462903"/>
+          </a:xfrm>
+        </p:grpSpPr>
+        <p:sp>
+          <p:nvSpPr>
+            <p:cNvPr id="56" name="四角形: 角を丸くする 55">
+              <a:extLst>
+                <a:ext uri="{FF2B5EF4-FFF2-40B4-BE49-F238E27FC236}">
+                  <a16:creationId xmlns:a16="http://schemas.microsoft.com/office/drawing/2014/main" id="{5CB3E814-CAA4-4ABA-9178-7AC14B49F299}"/>
+                </a:ext>
+              </a:extLst>
+            </p:cNvPr>
+            <p:cNvSpPr/>
+            <p:nvPr/>
+          </p:nvSpPr>
+          <p:spPr>
+            <a:xfrm>
+              <a:off x="4891498" y="3564711"/>
+              <a:ext cx="4754876" cy="2462903"/>
+            </a:xfrm>
+            <a:prstGeom prst="roundRect">
+              <a:avLst>
+                <a:gd name="adj" fmla="val 7275"/>
+              </a:avLst>
+            </a:prstGeom>
+            <a:noFill/>
+          </p:spPr>
+          <p:style>
+            <a:lnRef idx="2">
+              <a:schemeClr val="accent2"/>
+            </a:lnRef>
+            <a:fillRef idx="1">
+              <a:schemeClr val="lt1"/>
+            </a:fillRef>
+            <a:effectRef idx="0">
+              <a:schemeClr val="accent2"/>
+            </a:effectRef>
+            <a:fontRef idx="minor">
+              <a:schemeClr val="dk1"/>
+            </a:fontRef>
+          </p:style>
+          <p:txBody>
+            <a:bodyPr rtlCol="0" anchor="ctr"/>
+            <a:lstStyle/>
+            <a:p>
+              <a:pPr algn="ctr"/>
+              <a:endParaRPr kumimoji="1" lang="ja-JP" altLang="en-US"/>
+            </a:p>
+          </p:txBody>
+        </p:sp>
+        <p:sp>
+          <p:nvSpPr>
+            <p:cNvPr id="58" name="正方形/長方形 57">
+              <a:extLst>
+                <a:ext uri="{FF2B5EF4-FFF2-40B4-BE49-F238E27FC236}">
+                  <a16:creationId xmlns:a16="http://schemas.microsoft.com/office/drawing/2014/main" id="{E80F790E-5763-47F3-80C7-477727B33777}"/>
+                </a:ext>
+              </a:extLst>
+            </p:cNvPr>
+            <p:cNvSpPr/>
+            <p:nvPr/>
+          </p:nvSpPr>
+          <p:spPr>
+            <a:xfrm>
+              <a:off x="5111484" y="3567338"/>
+              <a:ext cx="2046550" cy="268294"/>
+            </a:xfrm>
+            <a:prstGeom prst="rect">
+              <a:avLst/>
+            </a:prstGeom>
+          </p:spPr>
+          <p:style>
+            <a:lnRef idx="1">
+              <a:schemeClr val="accent4"/>
+            </a:lnRef>
+            <a:fillRef idx="2">
+              <a:schemeClr val="accent4"/>
+            </a:fillRef>
+            <a:effectRef idx="1">
+              <a:schemeClr val="accent4"/>
+            </a:effectRef>
+            <a:fontRef idx="minor">
+              <a:schemeClr val="dk1"/>
+            </a:fontRef>
+          </p:style>
+          <p:txBody>
+            <a:bodyPr rtlCol="0" anchor="ctr"/>
+            <a:lstStyle/>
+            <a:p>
+              <a:pPr algn="ctr"/>
+              <a:r>
+                <a:rPr kumimoji="1" lang="en-US" altLang="ja" dirty="0" err="1"/>
+                <a:t>Jupyter</a:t>
+              </a:r>
+              <a:r>
+                <a:rPr kumimoji="1" lang="ja" altLang="en-US" dirty="0"/>
+                <a:t> </a:t>
+              </a:r>
+              <a:r>
+                <a:rPr kumimoji="1" lang="en-US" altLang="ja" dirty="0"/>
+                <a:t>Notebook</a:t>
+              </a:r>
+              <a:endParaRPr kumimoji="1" lang="ja-JP" altLang="en-US" dirty="0"/>
+            </a:p>
+          </p:txBody>
+        </p:sp>
+        <p:sp>
+          <p:nvSpPr>
+            <p:cNvPr id="62" name="正方形/長方形 61">
+              <a:extLst>
+                <a:ext uri="{FF2B5EF4-FFF2-40B4-BE49-F238E27FC236}">
+                  <a16:creationId xmlns:a16="http://schemas.microsoft.com/office/drawing/2014/main" id="{AE187C7A-A806-417B-94CA-9DFC79B6D2B5}"/>
+                </a:ext>
+              </a:extLst>
+            </p:cNvPr>
+            <p:cNvSpPr/>
+            <p:nvPr/>
+          </p:nvSpPr>
+          <p:spPr>
+            <a:xfrm>
+              <a:off x="5217254" y="4034470"/>
+              <a:ext cx="4156020" cy="1851923"/>
+            </a:xfrm>
+            <a:prstGeom prst="rect">
+              <a:avLst/>
+            </a:prstGeom>
+          </p:spPr>
+          <p:style>
+            <a:lnRef idx="1">
+              <a:schemeClr val="accent6"/>
+            </a:lnRef>
+            <a:fillRef idx="2">
+              <a:schemeClr val="accent6"/>
+            </a:fillRef>
+            <a:effectRef idx="1">
+              <a:schemeClr val="accent6"/>
+            </a:effectRef>
+            <a:fontRef idx="minor">
+              <a:schemeClr val="dk1"/>
+            </a:fontRef>
+          </p:style>
+          <p:txBody>
+            <a:bodyPr rtlCol="0" anchor="t"/>
+            <a:lstStyle/>
+            <a:p>
+              <a:r>
+                <a:rPr kumimoji="1" lang="en-US" altLang="ja-JP" sz="1400" dirty="0" err="1"/>
+                <a:t>Jupyter</a:t>
+              </a:r>
+              <a:r>
+                <a:rPr kumimoji="1" lang="en-US" altLang="ja-JP" sz="1400" dirty="0"/>
+                <a:t> Notebook</a:t>
+              </a:r>
+              <a:endParaRPr kumimoji="1" lang="ja-JP" altLang="en-US" sz="1400" dirty="0"/>
+            </a:p>
+          </p:txBody>
+        </p:sp>
+        <p:sp>
+          <p:nvSpPr>
+            <p:cNvPr id="66" name="正方形/長方形 65">
+              <a:extLst>
+                <a:ext uri="{FF2B5EF4-FFF2-40B4-BE49-F238E27FC236}">
+                  <a16:creationId xmlns:a16="http://schemas.microsoft.com/office/drawing/2014/main" id="{4F0C0738-664D-4227-9409-DE88413F2D94}"/>
+                </a:ext>
+              </a:extLst>
+            </p:cNvPr>
+            <p:cNvSpPr/>
+            <p:nvPr/>
+          </p:nvSpPr>
+          <p:spPr>
+            <a:xfrm>
+              <a:off x="5384917" y="4384415"/>
+              <a:ext cx="1414913" cy="914400"/>
+            </a:xfrm>
+            <a:prstGeom prst="rect">
+              <a:avLst/>
+            </a:prstGeom>
+          </p:spPr>
+          <p:style>
+            <a:lnRef idx="1">
+              <a:schemeClr val="accent4"/>
+            </a:lnRef>
+            <a:fillRef idx="2">
+              <a:schemeClr val="accent4"/>
+            </a:fillRef>
+            <a:effectRef idx="1">
+              <a:schemeClr val="accent4"/>
+            </a:effectRef>
+            <a:fontRef idx="minor">
+              <a:schemeClr val="dk1"/>
+            </a:fontRef>
+          </p:style>
+          <p:txBody>
+            <a:bodyPr rtlCol="0" anchor="ctr"/>
+            <a:lstStyle/>
+            <a:p>
+              <a:pPr algn="ctr"/>
+              <a:r>
+                <a:rPr kumimoji="1" lang="en-US" altLang="ja-JP" dirty="0"/>
+                <a:t>Python</a:t>
+              </a:r>
+            </a:p>
+            <a:p>
+              <a:pPr algn="ctr"/>
+              <a:r>
+                <a:rPr kumimoji="1" lang="ja-JP" altLang="en-US" dirty="0"/>
+                <a:t>実行環境</a:t>
+              </a:r>
+              <a:endParaRPr kumimoji="1" lang="en-US" altLang="ja-JP" dirty="0"/>
+            </a:p>
+            <a:p>
+              <a:pPr algn="ctr"/>
+              <a:r>
+                <a:rPr kumimoji="1" lang="en-US" altLang="ja-JP" dirty="0"/>
+                <a:t>(</a:t>
+              </a:r>
+              <a:r>
+                <a:rPr kumimoji="1" lang="en-US" altLang="ja-JP" sz="1100" dirty="0" err="1"/>
+                <a:t>CPython</a:t>
+              </a:r>
+              <a:r>
+                <a:rPr kumimoji="1" lang="en-US" altLang="ja-JP" dirty="0"/>
+                <a:t>)</a:t>
+              </a:r>
+              <a:endParaRPr kumimoji="1" lang="ja-JP" altLang="en-US" dirty="0"/>
+            </a:p>
+          </p:txBody>
+        </p:sp>
+        <p:sp>
+          <p:nvSpPr>
+            <p:cNvPr id="68" name="四角形: 角を丸くする 67">
+              <a:extLst>
+                <a:ext uri="{FF2B5EF4-FFF2-40B4-BE49-F238E27FC236}">
+                  <a16:creationId xmlns:a16="http://schemas.microsoft.com/office/drawing/2014/main" id="{A86EC156-9640-426D-87B5-5783B450B88C}"/>
+                </a:ext>
+              </a:extLst>
+            </p:cNvPr>
+            <p:cNvSpPr/>
+            <p:nvPr/>
+          </p:nvSpPr>
+          <p:spPr>
+            <a:xfrm>
+              <a:off x="7085404" y="4446855"/>
+              <a:ext cx="2156060" cy="555096"/>
+            </a:xfrm>
+            <a:prstGeom prst="roundRect">
+              <a:avLst>
+                <a:gd name="adj" fmla="val 6511"/>
+              </a:avLst>
+            </a:prstGeom>
+            <a:noFill/>
+          </p:spPr>
+          <p:style>
+            <a:lnRef idx="2">
+              <a:schemeClr val="accent1">
+                <a:shade val="15000"/>
+              </a:schemeClr>
+            </a:lnRef>
+            <a:fillRef idx="1">
+              <a:schemeClr val="accent1"/>
+            </a:fillRef>
+            <a:effectRef idx="0">
+              <a:schemeClr val="accent1"/>
+            </a:effectRef>
+            <a:fontRef idx="minor">
+              <a:schemeClr val="lt1"/>
+            </a:fontRef>
+          </p:style>
+          <p:txBody>
+            <a:bodyPr rtlCol="0" anchor="ctr"/>
+            <a:lstStyle/>
+            <a:p>
+              <a:pPr algn="ctr"/>
+              <a:endParaRPr kumimoji="1" lang="ja-JP" altLang="en-US"/>
+            </a:p>
+          </p:txBody>
+        </p:sp>
+        <p:sp>
+          <p:nvSpPr>
+            <p:cNvPr id="70" name="テキスト ボックス 69">
+              <a:extLst>
+                <a:ext uri="{FF2B5EF4-FFF2-40B4-BE49-F238E27FC236}">
+                  <a16:creationId xmlns:a16="http://schemas.microsoft.com/office/drawing/2014/main" id="{C1BF8F07-5B29-44F1-A84A-FAB3CC439F5B}"/>
+                </a:ext>
+              </a:extLst>
+            </p:cNvPr>
+            <p:cNvSpPr txBox="1"/>
+            <p:nvPr/>
+          </p:nvSpPr>
+          <p:spPr>
+            <a:xfrm>
+              <a:off x="7280426" y="4233532"/>
+              <a:ext cx="1328382" cy="461665"/>
+            </a:xfrm>
+            <a:prstGeom prst="rect">
+              <a:avLst/>
+            </a:prstGeom>
+            <a:solidFill>
+              <a:schemeClr val="accent6">
+                <a:lumMod val="60000"/>
+                <a:lumOff val="40000"/>
+              </a:schemeClr>
+            </a:solidFill>
+          </p:spPr>
+          <p:txBody>
+            <a:bodyPr wrap="square" rtlCol="0">
+              <a:spAutoFit/>
+            </a:bodyPr>
+            <a:lstStyle/>
+            <a:p>
+              <a:r>
+                <a:rPr kumimoji="1" lang="ja-JP" altLang="en-US" sz="1200" dirty="0"/>
+                <a:t>ライブラリ</a:t>
+              </a:r>
+              <a:endParaRPr kumimoji="1" lang="en-US" altLang="ja-JP" sz="1200" dirty="0"/>
+            </a:p>
+            <a:p>
+              <a:r>
+                <a:rPr kumimoji="1" lang="ja-JP" altLang="en-US" sz="1200" dirty="0"/>
+                <a:t>（パッケージ）</a:t>
+              </a:r>
+            </a:p>
+          </p:txBody>
+        </p:sp>
+        <p:sp>
+          <p:nvSpPr>
+            <p:cNvPr id="72" name="四角形: 角を丸くする 71">
+              <a:extLst>
+                <a:ext uri="{FF2B5EF4-FFF2-40B4-BE49-F238E27FC236}">
+                  <a16:creationId xmlns:a16="http://schemas.microsoft.com/office/drawing/2014/main" id="{0CD6E749-476F-44D0-9B3D-12C161659D52}"/>
+                </a:ext>
+              </a:extLst>
+            </p:cNvPr>
+            <p:cNvSpPr/>
+            <p:nvPr/>
+          </p:nvSpPr>
+          <p:spPr>
+            <a:xfrm>
+              <a:off x="7092337" y="5278950"/>
+              <a:ext cx="2156060" cy="475570"/>
+            </a:xfrm>
+            <a:prstGeom prst="roundRect">
+              <a:avLst>
+                <a:gd name="adj" fmla="val 6511"/>
+              </a:avLst>
+            </a:prstGeom>
+            <a:noFill/>
+          </p:spPr>
+          <p:style>
+            <a:lnRef idx="2">
+              <a:schemeClr val="accent1">
+                <a:shade val="15000"/>
+              </a:schemeClr>
+            </a:lnRef>
+            <a:fillRef idx="1">
+              <a:schemeClr val="accent1"/>
+            </a:fillRef>
+            <a:effectRef idx="0">
+              <a:schemeClr val="accent1"/>
+            </a:effectRef>
+            <a:fontRef idx="minor">
+              <a:schemeClr val="lt1"/>
+            </a:fontRef>
+          </p:style>
+          <p:txBody>
+            <a:bodyPr rtlCol="0" anchor="ctr"/>
+            <a:lstStyle/>
+            <a:p>
+              <a:pPr algn="ctr"/>
+              <a:endParaRPr kumimoji="1" lang="ja-JP" altLang="en-US"/>
+            </a:p>
+          </p:txBody>
+        </p:sp>
+        <p:sp>
+          <p:nvSpPr>
+            <p:cNvPr id="74" name="テキスト ボックス 73">
+              <a:extLst>
+                <a:ext uri="{FF2B5EF4-FFF2-40B4-BE49-F238E27FC236}">
+                  <a16:creationId xmlns:a16="http://schemas.microsoft.com/office/drawing/2014/main" id="{F415CD5E-25E5-4BBA-B75D-A329A3D64FFA}"/>
+                </a:ext>
+              </a:extLst>
+            </p:cNvPr>
+            <p:cNvSpPr txBox="1"/>
+            <p:nvPr/>
+          </p:nvSpPr>
+          <p:spPr>
+            <a:xfrm>
+              <a:off x="7254363" y="5123539"/>
+              <a:ext cx="1832008" cy="276999"/>
+            </a:xfrm>
+            <a:prstGeom prst="rect">
+              <a:avLst/>
+            </a:prstGeom>
+            <a:solidFill>
+              <a:schemeClr val="accent6">
+                <a:lumMod val="60000"/>
+                <a:lumOff val="40000"/>
+              </a:schemeClr>
+            </a:solidFill>
+          </p:spPr>
+          <p:txBody>
+            <a:bodyPr wrap="square" rtlCol="0">
+              <a:spAutoFit/>
+            </a:bodyPr>
+            <a:lstStyle/>
+            <a:p>
+              <a:r>
+                <a:rPr kumimoji="1" lang="ja-JP" altLang="en-US" sz="1200" dirty="0"/>
+                <a:t>パッケージ管理ツール</a:t>
+              </a:r>
+            </a:p>
+          </p:txBody>
+        </p:sp>
+        <p:sp>
+          <p:nvSpPr>
+            <p:cNvPr id="7" name="正方形/長方形 6">
+              <a:extLst>
+                <a:ext uri="{FF2B5EF4-FFF2-40B4-BE49-F238E27FC236}">
+                  <a16:creationId xmlns:a16="http://schemas.microsoft.com/office/drawing/2014/main" id="{8EA60C20-BCF2-C01D-93F8-C1276120972C}"/>
+                </a:ext>
+              </a:extLst>
+            </p:cNvPr>
+            <p:cNvSpPr/>
+            <p:nvPr/>
+          </p:nvSpPr>
+          <p:spPr>
+            <a:xfrm>
+              <a:off x="7257511" y="5442232"/>
+              <a:ext cx="1351297" cy="235305"/>
+            </a:xfrm>
+            <a:prstGeom prst="rect">
+              <a:avLst/>
+            </a:prstGeom>
+          </p:spPr>
+          <p:style>
+            <a:lnRef idx="1">
+              <a:schemeClr val="accent2"/>
+            </a:lnRef>
+            <a:fillRef idx="2">
+              <a:schemeClr val="accent2"/>
+            </a:fillRef>
+            <a:effectRef idx="1">
+              <a:schemeClr val="accent2"/>
+            </a:effectRef>
+            <a:fontRef idx="minor">
+              <a:schemeClr val="dk1"/>
+            </a:fontRef>
+          </p:style>
+          <p:txBody>
+            <a:bodyPr rtlCol="0" anchor="ctr"/>
+            <a:lstStyle/>
+            <a:p>
+              <a:r>
+                <a:rPr kumimoji="1" lang="en-US" altLang="ja-JP" sz="1400" dirty="0"/>
+                <a:t>pip</a:t>
+              </a:r>
+            </a:p>
+          </p:txBody>
+        </p:sp>
+        <p:sp>
+          <p:nvSpPr>
+            <p:cNvPr id="8" name="正方形/長方形 7">
+              <a:extLst>
+                <a:ext uri="{FF2B5EF4-FFF2-40B4-BE49-F238E27FC236}">
+                  <a16:creationId xmlns:a16="http://schemas.microsoft.com/office/drawing/2014/main" id="{9ABE485D-A1D8-A0A8-B13A-0AE2AE8B5968}"/>
+                </a:ext>
+              </a:extLst>
+            </p:cNvPr>
+            <p:cNvSpPr/>
+            <p:nvPr/>
+          </p:nvSpPr>
+          <p:spPr>
+            <a:xfrm>
+              <a:off x="7268936" y="4669489"/>
+              <a:ext cx="1328382" cy="239031"/>
+            </a:xfrm>
+            <a:prstGeom prst="rect">
+              <a:avLst/>
+            </a:prstGeom>
+          </p:spPr>
+          <p:style>
+            <a:lnRef idx="1">
+              <a:schemeClr val="accent5"/>
+            </a:lnRef>
+            <a:fillRef idx="2">
+              <a:schemeClr val="accent5"/>
+            </a:fillRef>
+            <a:effectRef idx="1">
+              <a:schemeClr val="accent5"/>
+            </a:effectRef>
+            <a:fontRef idx="minor">
+              <a:schemeClr val="dk1"/>
+            </a:fontRef>
+          </p:style>
+          <p:txBody>
+            <a:bodyPr rtlCol="0" anchor="ctr"/>
+            <a:lstStyle/>
+            <a:p>
+              <a:r>
+                <a:rPr kumimoji="1" lang="en-US" altLang="ja-JP" sz="1400" dirty="0"/>
+                <a:t>Pandas</a:t>
+              </a:r>
+              <a:endParaRPr kumimoji="1" lang="ja-JP" altLang="en-US" sz="1400" dirty="0"/>
+            </a:p>
+          </p:txBody>
+        </p:sp>
+        <p:sp>
+          <p:nvSpPr>
+            <p:cNvPr id="14" name="テキスト ボックス 13">
+              <a:extLst>
+                <a:ext uri="{FF2B5EF4-FFF2-40B4-BE49-F238E27FC236}">
+                  <a16:creationId xmlns:a16="http://schemas.microsoft.com/office/drawing/2014/main" id="{DB2A5B8B-296A-C8A3-42E7-9B5C732CACD0}"/>
+                </a:ext>
+              </a:extLst>
+            </p:cNvPr>
+            <p:cNvSpPr txBox="1"/>
+            <p:nvPr/>
+          </p:nvSpPr>
+          <p:spPr>
+            <a:xfrm>
+              <a:off x="8570027" y="4679808"/>
+              <a:ext cx="803247" cy="307777"/>
+            </a:xfrm>
+            <a:prstGeom prst="rect">
+              <a:avLst/>
+            </a:prstGeom>
+            <a:noFill/>
+          </p:spPr>
+          <p:txBody>
+            <a:bodyPr wrap="square" rtlCol="0">
+              <a:spAutoFit/>
+            </a:bodyPr>
+            <a:lstStyle/>
+            <a:p>
+              <a:r>
+                <a:rPr kumimoji="1" lang="ja-JP" altLang="en-US" sz="1400" dirty="0"/>
+                <a:t>・・・</a:t>
+              </a:r>
+            </a:p>
+          </p:txBody>
+        </p:sp>
+        <p:sp>
+          <p:nvSpPr>
+            <p:cNvPr id="15" name="テキスト ボックス 14">
+              <a:extLst>
+                <a:ext uri="{FF2B5EF4-FFF2-40B4-BE49-F238E27FC236}">
+                  <a16:creationId xmlns:a16="http://schemas.microsoft.com/office/drawing/2014/main" id="{38CBC3C0-10FD-7A97-0C84-39A22DFEE889}"/>
+                </a:ext>
+              </a:extLst>
+            </p:cNvPr>
+            <p:cNvSpPr txBox="1"/>
+            <p:nvPr/>
+          </p:nvSpPr>
+          <p:spPr>
+            <a:xfrm>
+              <a:off x="8578054" y="5431878"/>
+              <a:ext cx="803247" cy="307777"/>
+            </a:xfrm>
+            <a:prstGeom prst="rect">
+              <a:avLst/>
+            </a:prstGeom>
+            <a:noFill/>
+          </p:spPr>
+          <p:txBody>
+            <a:bodyPr wrap="square" rtlCol="0">
+              <a:spAutoFit/>
+            </a:bodyPr>
+            <a:lstStyle/>
+            <a:p>
+              <a:r>
+                <a:rPr kumimoji="1" lang="ja-JP" altLang="en-US" sz="1400" dirty="0"/>
+                <a:t>・・・</a:t>
+              </a:r>
+            </a:p>
+          </p:txBody>
+        </p:sp>
+      </p:grpSp>
+      <p:grpSp>
+        <p:nvGrpSpPr>
+          <p:cNvPr id="32" name="グループ化 31">
             <a:extLst>
               <a:ext uri="{FF2B5EF4-FFF2-40B4-BE49-F238E27FC236}">
-                <a16:creationId xmlns:a16="http://schemas.microsoft.com/office/drawing/2014/main" id="{FDC07377-26E9-4D8C-87E9-3DFCAFC4F556}"/>
+                <a16:creationId xmlns:a16="http://schemas.microsoft.com/office/drawing/2014/main" id="{430D9761-5112-2FC7-44D1-251FE9C76A13}"/>
               </a:ext>
             </a:extLst>
           </p:cNvPr>
-          <p:cNvSpPr/>
+          <p:cNvGrpSpPr/>
           <p:nvPr/>
-        </p:nvSpPr>
-        <p:spPr>
-          <a:xfrm>
-            <a:off x="2019995" y="3646118"/>
-            <a:ext cx="2156060" cy="816345"/>
-          </a:xfrm>
-          <a:prstGeom prst="roundRect">
-            <a:avLst>
-              <a:gd name="adj" fmla="val 6511"/>
-            </a:avLst>
-          </a:prstGeom>
-          <a:noFill/>
-        </p:spPr>
-        <p:style>
-          <a:lnRef idx="2">
-            <a:schemeClr val="accent1">
-              <a:shade val="15000"/>
-            </a:schemeClr>
-          </a:lnRef>
-          <a:fillRef idx="1">
-            <a:schemeClr val="accent1"/>
-          </a:fillRef>
-          <a:effectRef idx="0">
-            <a:schemeClr val="accent1"/>
-          </a:effectRef>
-          <a:fontRef idx="minor">
-            <a:schemeClr val="lt1"/>
-          </a:fontRef>
-        </p:style>
-        <p:txBody>
-          <a:bodyPr rtlCol="0" anchor="ctr"/>
-          <a:lstStyle/>
-          <a:p>
-            <a:pPr algn="ctr"/>
-            <a:endParaRPr kumimoji="1" lang="ja-JP" altLang="en-US"/>
-          </a:p>
-        </p:txBody>
-      </p:sp>
-      <p:sp>
-        <p:nvSpPr>
-          <p:cNvPr id="18" name="テキスト ボックス 17">
-            <a:extLst>
-              <a:ext uri="{FF2B5EF4-FFF2-40B4-BE49-F238E27FC236}">
-                <a16:creationId xmlns:a16="http://schemas.microsoft.com/office/drawing/2014/main" id="{11125BB2-C8C2-4031-9881-0339DFF6E009}"/>
-              </a:ext>
-            </a:extLst>
-          </p:cNvPr>
-          <p:cNvSpPr txBox="1"/>
-          <p:nvPr/>
-        </p:nvSpPr>
-        <p:spPr>
-          <a:xfrm>
-            <a:off x="2255817" y="3454812"/>
-            <a:ext cx="510134" cy="375390"/>
-          </a:xfrm>
-          <a:prstGeom prst="rect">
-            <a:avLst/>
-          </a:prstGeom>
-          <a:solidFill>
-            <a:schemeClr val="bg1"/>
-          </a:solidFill>
-        </p:spPr>
-        <p:txBody>
-          <a:bodyPr wrap="square" rtlCol="0">
-            <a:spAutoFit/>
-          </a:bodyPr>
-          <a:lstStyle/>
-          <a:p>
-            <a:r>
-              <a:rPr kumimoji="1" lang="en-US" altLang="ja-JP" dirty="0"/>
-              <a:t>IDE</a:t>
-            </a:r>
-            <a:endParaRPr kumimoji="1" lang="ja-JP" altLang="en-US" dirty="0"/>
-          </a:p>
-        </p:txBody>
-      </p:sp>
-      <p:sp>
-        <p:nvSpPr>
-          <p:cNvPr id="19" name="四角形: 角を丸くする 18">
-            <a:extLst>
-              <a:ext uri="{FF2B5EF4-FFF2-40B4-BE49-F238E27FC236}">
-                <a16:creationId xmlns:a16="http://schemas.microsoft.com/office/drawing/2014/main" id="{6DAC8216-3D11-423D-B222-5FE080588018}"/>
-              </a:ext>
-            </a:extLst>
-          </p:cNvPr>
-          <p:cNvSpPr/>
-          <p:nvPr/>
-        </p:nvSpPr>
-        <p:spPr>
-          <a:xfrm>
-            <a:off x="2019317" y="4795091"/>
-            <a:ext cx="2156060" cy="367645"/>
-          </a:xfrm>
-          <a:prstGeom prst="roundRect">
-            <a:avLst>
-              <a:gd name="adj" fmla="val 6511"/>
-            </a:avLst>
-          </a:prstGeom>
-          <a:noFill/>
-        </p:spPr>
-        <p:style>
-          <a:lnRef idx="2">
-            <a:schemeClr val="accent1">
-              <a:shade val="15000"/>
-            </a:schemeClr>
-          </a:lnRef>
-          <a:fillRef idx="1">
-            <a:schemeClr val="accent1"/>
-          </a:fillRef>
-          <a:effectRef idx="0">
-            <a:schemeClr val="accent1"/>
-          </a:effectRef>
-          <a:fontRef idx="minor">
-            <a:schemeClr val="lt1"/>
-          </a:fontRef>
-        </p:style>
-        <p:txBody>
-          <a:bodyPr rtlCol="0" anchor="ctr"/>
-          <a:lstStyle/>
-          <a:p>
-            <a:pPr algn="ctr"/>
-            <a:endParaRPr kumimoji="1" lang="ja-JP" altLang="en-US"/>
-          </a:p>
-        </p:txBody>
-      </p:sp>
-      <p:sp>
-        <p:nvSpPr>
-          <p:cNvPr id="20" name="テキスト ボックス 19">
-            <a:extLst>
-              <a:ext uri="{FF2B5EF4-FFF2-40B4-BE49-F238E27FC236}">
-                <a16:creationId xmlns:a16="http://schemas.microsoft.com/office/drawing/2014/main" id="{289B644F-8DDC-4B14-AE6D-180D3F9B33BF}"/>
-              </a:ext>
-            </a:extLst>
-          </p:cNvPr>
-          <p:cNvSpPr txBox="1"/>
-          <p:nvPr/>
-        </p:nvSpPr>
-        <p:spPr>
-          <a:xfrm>
-            <a:off x="2214339" y="4581767"/>
-            <a:ext cx="1306622" cy="461665"/>
-          </a:xfrm>
-          <a:prstGeom prst="rect">
-            <a:avLst/>
-          </a:prstGeom>
-          <a:solidFill>
-            <a:schemeClr val="bg1"/>
-          </a:solidFill>
-        </p:spPr>
-        <p:txBody>
-          <a:bodyPr wrap="square" rtlCol="0">
-            <a:spAutoFit/>
-          </a:bodyPr>
-          <a:lstStyle/>
-          <a:p>
-            <a:r>
-              <a:rPr kumimoji="1" lang="ja-JP" altLang="en-US" sz="1200" dirty="0"/>
-              <a:t>ライブラリ</a:t>
-            </a:r>
-            <a:endParaRPr kumimoji="1" lang="en-US" altLang="ja-JP" sz="1200" dirty="0"/>
-          </a:p>
-          <a:p>
-            <a:r>
-              <a:rPr kumimoji="1" lang="ja-JP" altLang="en-US" sz="1200" dirty="0"/>
-              <a:t>（パッケージ）</a:t>
-            </a:r>
-          </a:p>
-        </p:txBody>
-      </p:sp>
-      <p:sp>
-        <p:nvSpPr>
-          <p:cNvPr id="22" name="四角形: 角を丸くする 21">
-            <a:extLst>
-              <a:ext uri="{FF2B5EF4-FFF2-40B4-BE49-F238E27FC236}">
-                <a16:creationId xmlns:a16="http://schemas.microsoft.com/office/drawing/2014/main" id="{2F4A35B4-5806-4D11-BE5B-302633A5BA3C}"/>
-              </a:ext>
-            </a:extLst>
-          </p:cNvPr>
-          <p:cNvSpPr/>
-          <p:nvPr/>
-        </p:nvSpPr>
-        <p:spPr>
-          <a:xfrm>
-            <a:off x="2019317" y="5444580"/>
-            <a:ext cx="2156060" cy="441813"/>
-          </a:xfrm>
-          <a:prstGeom prst="roundRect">
-            <a:avLst>
-              <a:gd name="adj" fmla="val 6511"/>
-            </a:avLst>
-          </a:prstGeom>
-          <a:noFill/>
-        </p:spPr>
-        <p:style>
-          <a:lnRef idx="2">
-            <a:schemeClr val="accent1">
-              <a:shade val="15000"/>
-            </a:schemeClr>
-          </a:lnRef>
-          <a:fillRef idx="1">
-            <a:schemeClr val="accent1"/>
-          </a:fillRef>
-          <a:effectRef idx="0">
-            <a:schemeClr val="accent1"/>
-          </a:effectRef>
-          <a:fontRef idx="minor">
-            <a:schemeClr val="lt1"/>
-          </a:fontRef>
-        </p:style>
-        <p:txBody>
-          <a:bodyPr rtlCol="0" anchor="ctr"/>
-          <a:lstStyle/>
-          <a:p>
-            <a:pPr algn="ctr"/>
-            <a:endParaRPr kumimoji="1" lang="ja-JP" altLang="en-US"/>
-          </a:p>
-        </p:txBody>
-      </p:sp>
-      <p:sp>
-        <p:nvSpPr>
-          <p:cNvPr id="42" name="テキスト ボックス 41">
-            <a:extLst>
-              <a:ext uri="{FF2B5EF4-FFF2-40B4-BE49-F238E27FC236}">
-                <a16:creationId xmlns:a16="http://schemas.microsoft.com/office/drawing/2014/main" id="{0BEECEF7-D019-4FE5-9798-A0CE66CC2D91}"/>
-              </a:ext>
-            </a:extLst>
-          </p:cNvPr>
-          <p:cNvSpPr txBox="1"/>
-          <p:nvPr/>
-        </p:nvSpPr>
-        <p:spPr>
-          <a:xfrm>
-            <a:off x="2181343" y="5289169"/>
-            <a:ext cx="1832008" cy="276999"/>
-          </a:xfrm>
-          <a:prstGeom prst="rect">
-            <a:avLst/>
-          </a:prstGeom>
-          <a:solidFill>
-            <a:schemeClr val="bg1"/>
-          </a:solidFill>
-        </p:spPr>
-        <p:txBody>
-          <a:bodyPr wrap="square" rtlCol="0">
-            <a:spAutoFit/>
-          </a:bodyPr>
-          <a:lstStyle/>
-          <a:p>
-            <a:r>
-              <a:rPr kumimoji="1" lang="ja-JP" altLang="en-US" sz="1200" dirty="0"/>
-              <a:t>パッケージ管理ツール</a:t>
-            </a:r>
-          </a:p>
-        </p:txBody>
-      </p:sp>
-      <p:sp>
-        <p:nvSpPr>
-          <p:cNvPr id="50" name="正方形/長方形 49">
-            <a:extLst>
-              <a:ext uri="{FF2B5EF4-FFF2-40B4-BE49-F238E27FC236}">
-                <a16:creationId xmlns:a16="http://schemas.microsoft.com/office/drawing/2014/main" id="{02A83D76-B06C-4527-8582-AF515ED8D06F}"/>
-              </a:ext>
-            </a:extLst>
-          </p:cNvPr>
-          <p:cNvSpPr/>
-          <p:nvPr/>
-        </p:nvSpPr>
-        <p:spPr>
-          <a:xfrm>
-            <a:off x="2193245" y="3912599"/>
-            <a:ext cx="1501544" cy="336885"/>
-          </a:xfrm>
-          <a:prstGeom prst="rect">
-            <a:avLst/>
-          </a:prstGeom>
-        </p:spPr>
-        <p:style>
-          <a:lnRef idx="1">
-            <a:schemeClr val="accent6"/>
-          </a:lnRef>
-          <a:fillRef idx="2">
-            <a:schemeClr val="accent6"/>
-          </a:fillRef>
-          <a:effectRef idx="1">
-            <a:schemeClr val="accent6"/>
-          </a:effectRef>
-          <a:fontRef idx="minor">
-            <a:schemeClr val="dk1"/>
-          </a:fontRef>
-        </p:style>
-        <p:txBody>
-          <a:bodyPr rtlCol="0" anchor="ctr"/>
-          <a:lstStyle/>
-          <a:p>
-            <a:r>
-              <a:rPr kumimoji="1" lang="en-US" altLang="ja-JP" sz="1400" dirty="0" err="1"/>
-              <a:t>Jupyter</a:t>
-            </a:r>
-            <a:r>
-              <a:rPr kumimoji="1" lang="en-US" altLang="ja-JP" sz="1400" dirty="0"/>
-              <a:t> Notebook</a:t>
-            </a:r>
-            <a:endParaRPr kumimoji="1" lang="ja-JP" altLang="en-US" sz="1400" dirty="0"/>
-          </a:p>
-        </p:txBody>
-      </p:sp>
-      <p:sp>
-        <p:nvSpPr>
-          <p:cNvPr id="56" name="四角形: 角を丸くする 55">
-            <a:extLst>
-              <a:ext uri="{FF2B5EF4-FFF2-40B4-BE49-F238E27FC236}">
-                <a16:creationId xmlns:a16="http://schemas.microsoft.com/office/drawing/2014/main" id="{5CB3E814-CAA4-4ABA-9178-7AC14B49F299}"/>
-              </a:ext>
-            </a:extLst>
-          </p:cNvPr>
-          <p:cNvSpPr/>
-          <p:nvPr/>
-        </p:nvSpPr>
-        <p:spPr>
-          <a:xfrm>
-            <a:off x="4891498" y="3564711"/>
-            <a:ext cx="4754876" cy="2462903"/>
-          </a:xfrm>
-          <a:prstGeom prst="roundRect">
-            <a:avLst>
-              <a:gd name="adj" fmla="val 7275"/>
-            </a:avLst>
-          </a:prstGeom>
-          <a:noFill/>
-        </p:spPr>
-        <p:style>
-          <a:lnRef idx="2">
-            <a:schemeClr val="accent2"/>
-          </a:lnRef>
-          <a:fillRef idx="1">
-            <a:schemeClr val="lt1"/>
-          </a:fillRef>
-          <a:effectRef idx="0">
-            <a:schemeClr val="accent2"/>
-          </a:effectRef>
-          <a:fontRef idx="minor">
-            <a:schemeClr val="dk1"/>
-          </a:fontRef>
-        </p:style>
-        <p:txBody>
-          <a:bodyPr rtlCol="0" anchor="ctr"/>
-          <a:lstStyle/>
-          <a:p>
-            <a:pPr algn="ctr"/>
-            <a:endParaRPr kumimoji="1" lang="ja-JP" altLang="en-US"/>
-          </a:p>
-        </p:txBody>
-      </p:sp>
-      <p:sp>
-        <p:nvSpPr>
-          <p:cNvPr id="58" name="正方形/長方形 57">
-            <a:extLst>
-              <a:ext uri="{FF2B5EF4-FFF2-40B4-BE49-F238E27FC236}">
-                <a16:creationId xmlns:a16="http://schemas.microsoft.com/office/drawing/2014/main" id="{E80F790E-5763-47F3-80C7-477727B33777}"/>
-              </a:ext>
-            </a:extLst>
-          </p:cNvPr>
-          <p:cNvSpPr/>
-          <p:nvPr/>
-        </p:nvSpPr>
-        <p:spPr>
-          <a:xfrm>
-            <a:off x="5111484" y="3567338"/>
-            <a:ext cx="2046550" cy="268294"/>
-          </a:xfrm>
-          <a:prstGeom prst="rect">
-            <a:avLst/>
-          </a:prstGeom>
-        </p:spPr>
-        <p:style>
-          <a:lnRef idx="1">
-            <a:schemeClr val="accent4"/>
-          </a:lnRef>
-          <a:fillRef idx="2">
-            <a:schemeClr val="accent4"/>
-          </a:fillRef>
-          <a:effectRef idx="1">
-            <a:schemeClr val="accent4"/>
-          </a:effectRef>
-          <a:fontRef idx="minor">
-            <a:schemeClr val="dk1"/>
-          </a:fontRef>
-        </p:style>
-        <p:txBody>
-          <a:bodyPr rtlCol="0" anchor="ctr"/>
-          <a:lstStyle/>
-          <a:p>
-            <a:pPr algn="ctr"/>
-            <a:r>
-              <a:rPr kumimoji="1" lang="en-US" altLang="ja" dirty="0" err="1"/>
-              <a:t>Jupyter</a:t>
-            </a:r>
-            <a:r>
-              <a:rPr kumimoji="1" lang="ja" altLang="en-US" dirty="0"/>
-              <a:t> </a:t>
-            </a:r>
-            <a:r>
-              <a:rPr kumimoji="1" lang="en-US" altLang="ja" dirty="0"/>
-              <a:t>Notebook</a:t>
-            </a:r>
-            <a:endParaRPr kumimoji="1" lang="ja-JP" altLang="en-US" dirty="0"/>
-          </a:p>
-        </p:txBody>
-      </p:sp>
-      <p:sp>
-        <p:nvSpPr>
-          <p:cNvPr id="62" name="正方形/長方形 61">
-            <a:extLst>
-              <a:ext uri="{FF2B5EF4-FFF2-40B4-BE49-F238E27FC236}">
-                <a16:creationId xmlns:a16="http://schemas.microsoft.com/office/drawing/2014/main" id="{AE187C7A-A806-417B-94CA-9DFC79B6D2B5}"/>
-              </a:ext>
-            </a:extLst>
-          </p:cNvPr>
-          <p:cNvSpPr/>
-          <p:nvPr/>
-        </p:nvSpPr>
-        <p:spPr>
-          <a:xfrm>
-            <a:off x="5217254" y="4034470"/>
-            <a:ext cx="4156020" cy="1716145"/>
-          </a:xfrm>
-          <a:prstGeom prst="rect">
-            <a:avLst/>
-          </a:prstGeom>
-        </p:spPr>
-        <p:style>
-          <a:lnRef idx="1">
-            <a:schemeClr val="accent6"/>
-          </a:lnRef>
-          <a:fillRef idx="2">
-            <a:schemeClr val="accent6"/>
-          </a:fillRef>
-          <a:effectRef idx="1">
-            <a:schemeClr val="accent6"/>
-          </a:effectRef>
-          <a:fontRef idx="minor">
-            <a:schemeClr val="dk1"/>
-          </a:fontRef>
-        </p:style>
-        <p:txBody>
-          <a:bodyPr rtlCol="0" anchor="t"/>
-          <a:lstStyle/>
-          <a:p>
-            <a:r>
-              <a:rPr kumimoji="1" lang="en-US" altLang="ja-JP" sz="1400" dirty="0" err="1"/>
-              <a:t>Jupyter</a:t>
-            </a:r>
-            <a:r>
-              <a:rPr kumimoji="1" lang="en-US" altLang="ja-JP" sz="1400" dirty="0"/>
-              <a:t> Notebook</a:t>
-            </a:r>
-            <a:endParaRPr kumimoji="1" lang="ja-JP" altLang="en-US" sz="1400" dirty="0"/>
-          </a:p>
-        </p:txBody>
-      </p:sp>
-      <p:sp>
-        <p:nvSpPr>
-          <p:cNvPr id="66" name="正方形/長方形 65">
-            <a:extLst>
-              <a:ext uri="{FF2B5EF4-FFF2-40B4-BE49-F238E27FC236}">
-                <a16:creationId xmlns:a16="http://schemas.microsoft.com/office/drawing/2014/main" id="{4F0C0738-664D-4227-9409-DE88413F2D94}"/>
-              </a:ext>
-            </a:extLst>
-          </p:cNvPr>
-          <p:cNvSpPr/>
-          <p:nvPr/>
-        </p:nvSpPr>
-        <p:spPr>
-          <a:xfrm>
-            <a:off x="5384917" y="4384415"/>
-            <a:ext cx="1414913" cy="914400"/>
-          </a:xfrm>
-          <a:prstGeom prst="rect">
-            <a:avLst/>
-          </a:prstGeom>
-        </p:spPr>
-        <p:style>
-          <a:lnRef idx="1">
-            <a:schemeClr val="accent4"/>
-          </a:lnRef>
-          <a:fillRef idx="2">
-            <a:schemeClr val="accent4"/>
-          </a:fillRef>
-          <a:effectRef idx="1">
-            <a:schemeClr val="accent4"/>
-          </a:effectRef>
-          <a:fontRef idx="minor">
-            <a:schemeClr val="dk1"/>
-          </a:fontRef>
-        </p:style>
-        <p:txBody>
-          <a:bodyPr rtlCol="0" anchor="ctr"/>
-          <a:lstStyle/>
-          <a:p>
-            <a:pPr algn="ctr"/>
-            <a:r>
-              <a:rPr kumimoji="1" lang="en-US" altLang="ja-JP" dirty="0"/>
-              <a:t>Python</a:t>
-            </a:r>
-          </a:p>
-          <a:p>
-            <a:pPr algn="ctr"/>
-            <a:r>
-              <a:rPr kumimoji="1" lang="ja-JP" altLang="en-US" dirty="0"/>
-              <a:t>実行環境</a:t>
-            </a:r>
-            <a:endParaRPr kumimoji="1" lang="en-US" altLang="ja-JP" dirty="0"/>
-          </a:p>
-          <a:p>
-            <a:pPr algn="ctr"/>
-            <a:r>
-              <a:rPr kumimoji="1" lang="en-US" altLang="ja-JP" dirty="0"/>
-              <a:t>(</a:t>
-            </a:r>
-            <a:r>
-              <a:rPr kumimoji="1" lang="en-US" altLang="ja-JP" sz="1100" dirty="0" err="1"/>
-              <a:t>CPython</a:t>
-            </a:r>
-            <a:r>
-              <a:rPr kumimoji="1" lang="en-US" altLang="ja-JP" dirty="0"/>
-              <a:t>)</a:t>
-            </a:r>
-            <a:endParaRPr kumimoji="1" lang="ja-JP" altLang="en-US" dirty="0"/>
-          </a:p>
-        </p:txBody>
-      </p:sp>
-      <p:sp>
-        <p:nvSpPr>
-          <p:cNvPr id="68" name="四角形: 角を丸くする 67">
-            <a:extLst>
-              <a:ext uri="{FF2B5EF4-FFF2-40B4-BE49-F238E27FC236}">
-                <a16:creationId xmlns:a16="http://schemas.microsoft.com/office/drawing/2014/main" id="{A86EC156-9640-426D-87B5-5783B450B88C}"/>
-              </a:ext>
-            </a:extLst>
-          </p:cNvPr>
-          <p:cNvSpPr/>
-          <p:nvPr/>
-        </p:nvSpPr>
-        <p:spPr>
-          <a:xfrm>
-            <a:off x="7085404" y="4446855"/>
-            <a:ext cx="2156060" cy="367645"/>
-          </a:xfrm>
-          <a:prstGeom prst="roundRect">
-            <a:avLst>
-              <a:gd name="adj" fmla="val 6511"/>
-            </a:avLst>
-          </a:prstGeom>
-          <a:noFill/>
-        </p:spPr>
-        <p:style>
-          <a:lnRef idx="2">
-            <a:schemeClr val="accent1">
-              <a:shade val="15000"/>
-            </a:schemeClr>
-          </a:lnRef>
-          <a:fillRef idx="1">
-            <a:schemeClr val="accent1"/>
-          </a:fillRef>
-          <a:effectRef idx="0">
-            <a:schemeClr val="accent1"/>
-          </a:effectRef>
-          <a:fontRef idx="minor">
-            <a:schemeClr val="lt1"/>
-          </a:fontRef>
-        </p:style>
-        <p:txBody>
-          <a:bodyPr rtlCol="0" anchor="ctr"/>
-          <a:lstStyle/>
-          <a:p>
-            <a:pPr algn="ctr"/>
-            <a:endParaRPr kumimoji="1" lang="ja-JP" altLang="en-US"/>
-          </a:p>
-        </p:txBody>
-      </p:sp>
-      <p:sp>
-        <p:nvSpPr>
-          <p:cNvPr id="70" name="テキスト ボックス 69">
-            <a:extLst>
-              <a:ext uri="{FF2B5EF4-FFF2-40B4-BE49-F238E27FC236}">
-                <a16:creationId xmlns:a16="http://schemas.microsoft.com/office/drawing/2014/main" id="{C1BF8F07-5B29-44F1-A84A-FAB3CC439F5B}"/>
-              </a:ext>
-            </a:extLst>
-          </p:cNvPr>
-          <p:cNvSpPr txBox="1"/>
-          <p:nvPr/>
-        </p:nvSpPr>
-        <p:spPr>
-          <a:xfrm>
-            <a:off x="7280426" y="4233532"/>
-            <a:ext cx="1328382" cy="461665"/>
-          </a:xfrm>
-          <a:prstGeom prst="rect">
-            <a:avLst/>
-          </a:prstGeom>
-          <a:solidFill>
-            <a:schemeClr val="accent6">
-              <a:lumMod val="60000"/>
-              <a:lumOff val="40000"/>
-            </a:schemeClr>
-          </a:solidFill>
-        </p:spPr>
-        <p:txBody>
-          <a:bodyPr wrap="square" rtlCol="0">
-            <a:spAutoFit/>
-          </a:bodyPr>
-          <a:lstStyle/>
-          <a:p>
-            <a:r>
-              <a:rPr kumimoji="1" lang="ja-JP" altLang="en-US" sz="1200" dirty="0"/>
-              <a:t>ライブラリ</a:t>
-            </a:r>
-            <a:endParaRPr kumimoji="1" lang="en-US" altLang="ja-JP" sz="1200" dirty="0"/>
-          </a:p>
-          <a:p>
-            <a:r>
-              <a:rPr kumimoji="1" lang="ja-JP" altLang="en-US" sz="1200" dirty="0"/>
-              <a:t>（パッケージ）</a:t>
-            </a:r>
-          </a:p>
-        </p:txBody>
-      </p:sp>
-      <p:sp>
-        <p:nvSpPr>
-          <p:cNvPr id="72" name="四角形: 角を丸くする 71">
-            <a:extLst>
-              <a:ext uri="{FF2B5EF4-FFF2-40B4-BE49-F238E27FC236}">
-                <a16:creationId xmlns:a16="http://schemas.microsoft.com/office/drawing/2014/main" id="{0CD6E749-476F-44D0-9B3D-12C161659D52}"/>
-              </a:ext>
-            </a:extLst>
-          </p:cNvPr>
-          <p:cNvSpPr/>
-          <p:nvPr/>
-        </p:nvSpPr>
-        <p:spPr>
-          <a:xfrm>
-            <a:off x="7085404" y="5096344"/>
-            <a:ext cx="2156060" cy="441813"/>
-          </a:xfrm>
-          <a:prstGeom prst="roundRect">
-            <a:avLst>
-              <a:gd name="adj" fmla="val 6511"/>
-            </a:avLst>
-          </a:prstGeom>
-          <a:noFill/>
-        </p:spPr>
-        <p:style>
-          <a:lnRef idx="2">
-            <a:schemeClr val="accent1">
-              <a:shade val="15000"/>
-            </a:schemeClr>
-          </a:lnRef>
-          <a:fillRef idx="1">
-            <a:schemeClr val="accent1"/>
-          </a:fillRef>
-          <a:effectRef idx="0">
-            <a:schemeClr val="accent1"/>
-          </a:effectRef>
-          <a:fontRef idx="minor">
-            <a:schemeClr val="lt1"/>
-          </a:fontRef>
-        </p:style>
-        <p:txBody>
-          <a:bodyPr rtlCol="0" anchor="ctr"/>
-          <a:lstStyle/>
-          <a:p>
-            <a:pPr algn="ctr"/>
-            <a:endParaRPr kumimoji="1" lang="ja-JP" altLang="en-US"/>
-          </a:p>
-        </p:txBody>
-      </p:sp>
-      <p:sp>
-        <p:nvSpPr>
-          <p:cNvPr id="74" name="テキスト ボックス 73">
-            <a:extLst>
-              <a:ext uri="{FF2B5EF4-FFF2-40B4-BE49-F238E27FC236}">
-                <a16:creationId xmlns:a16="http://schemas.microsoft.com/office/drawing/2014/main" id="{F415CD5E-25E5-4BBA-B75D-A329A3D64FFA}"/>
-              </a:ext>
-            </a:extLst>
-          </p:cNvPr>
-          <p:cNvSpPr txBox="1"/>
-          <p:nvPr/>
-        </p:nvSpPr>
-        <p:spPr>
-          <a:xfrm>
-            <a:off x="7247430" y="4940933"/>
-            <a:ext cx="1832008" cy="276999"/>
-          </a:xfrm>
-          <a:prstGeom prst="rect">
-            <a:avLst/>
-          </a:prstGeom>
-          <a:solidFill>
-            <a:schemeClr val="accent6">
-              <a:lumMod val="60000"/>
-              <a:lumOff val="40000"/>
-            </a:schemeClr>
-          </a:solidFill>
-        </p:spPr>
-        <p:txBody>
-          <a:bodyPr wrap="square" rtlCol="0">
-            <a:spAutoFit/>
-          </a:bodyPr>
-          <a:lstStyle/>
-          <a:p>
-            <a:r>
-              <a:rPr kumimoji="1" lang="ja-JP" altLang="en-US" sz="1200" dirty="0"/>
-              <a:t>パッケージ管理ツール</a:t>
-            </a:r>
-          </a:p>
-        </p:txBody>
-      </p:sp>
+        </p:nvGrpSpPr>
+        <p:grpSpPr>
+          <a:xfrm>
+            <a:off x="297070" y="3454812"/>
+            <a:ext cx="3977623" cy="2854172"/>
+            <a:chOff x="297070" y="3454812"/>
+            <a:chExt cx="3977623" cy="2854172"/>
+          </a:xfrm>
+        </p:grpSpPr>
+        <p:sp>
+          <p:nvSpPr>
+            <p:cNvPr id="6" name="正方形/長方形 5">
+              <a:extLst>
+                <a:ext uri="{FF2B5EF4-FFF2-40B4-BE49-F238E27FC236}">
+                  <a16:creationId xmlns:a16="http://schemas.microsoft.com/office/drawing/2014/main" id="{5F4E3310-21B9-4610-B57F-80E0F0F93D75}"/>
+                </a:ext>
+              </a:extLst>
+            </p:cNvPr>
+            <p:cNvSpPr/>
+            <p:nvPr/>
+          </p:nvSpPr>
+          <p:spPr>
+            <a:xfrm>
+              <a:off x="297070" y="3985409"/>
+              <a:ext cx="1414913" cy="914400"/>
+            </a:xfrm>
+            <a:prstGeom prst="rect">
+              <a:avLst/>
+            </a:prstGeom>
+          </p:spPr>
+          <p:style>
+            <a:lnRef idx="1">
+              <a:schemeClr val="accent4"/>
+            </a:lnRef>
+            <a:fillRef idx="2">
+              <a:schemeClr val="accent4"/>
+            </a:fillRef>
+            <a:effectRef idx="1">
+              <a:schemeClr val="accent4"/>
+            </a:effectRef>
+            <a:fontRef idx="minor">
+              <a:schemeClr val="dk1"/>
+            </a:fontRef>
+          </p:style>
+          <p:txBody>
+            <a:bodyPr rtlCol="0" anchor="ctr"/>
+            <a:lstStyle/>
+            <a:p>
+              <a:pPr algn="ctr"/>
+              <a:r>
+                <a:rPr kumimoji="1" lang="en-US" altLang="ja-JP" dirty="0"/>
+                <a:t>Python</a:t>
+              </a:r>
+            </a:p>
+            <a:p>
+              <a:pPr algn="ctr"/>
+              <a:r>
+                <a:rPr kumimoji="1" lang="ja-JP" altLang="en-US" dirty="0"/>
+                <a:t>実行環境</a:t>
+              </a:r>
+              <a:endParaRPr kumimoji="1" lang="en-US" altLang="ja-JP" dirty="0"/>
+            </a:p>
+            <a:p>
+              <a:pPr algn="ctr"/>
+              <a:r>
+                <a:rPr kumimoji="1" lang="en-US" altLang="ja-JP" dirty="0"/>
+                <a:t>(</a:t>
+              </a:r>
+              <a:r>
+                <a:rPr kumimoji="1" lang="en-US" altLang="ja-JP" sz="1100" dirty="0" err="1"/>
+                <a:t>CPython</a:t>
+              </a:r>
+              <a:r>
+                <a:rPr kumimoji="1" lang="en-US" altLang="ja-JP" dirty="0"/>
+                <a:t>)</a:t>
+              </a:r>
+              <a:endParaRPr kumimoji="1" lang="ja-JP" altLang="en-US" dirty="0"/>
+            </a:p>
+          </p:txBody>
+        </p:sp>
+        <p:sp>
+          <p:nvSpPr>
+            <p:cNvPr id="17" name="四角形: 角を丸くする 16">
+              <a:extLst>
+                <a:ext uri="{FF2B5EF4-FFF2-40B4-BE49-F238E27FC236}">
+                  <a16:creationId xmlns:a16="http://schemas.microsoft.com/office/drawing/2014/main" id="{FDC07377-26E9-4D8C-87E9-3DFCAFC4F556}"/>
+                </a:ext>
+              </a:extLst>
+            </p:cNvPr>
+            <p:cNvSpPr/>
+            <p:nvPr/>
+          </p:nvSpPr>
+          <p:spPr>
+            <a:xfrm>
+              <a:off x="2019995" y="3646118"/>
+              <a:ext cx="2156060" cy="816345"/>
+            </a:xfrm>
+            <a:prstGeom prst="roundRect">
+              <a:avLst>
+                <a:gd name="adj" fmla="val 6511"/>
+              </a:avLst>
+            </a:prstGeom>
+            <a:noFill/>
+          </p:spPr>
+          <p:style>
+            <a:lnRef idx="2">
+              <a:schemeClr val="accent1">
+                <a:shade val="15000"/>
+              </a:schemeClr>
+            </a:lnRef>
+            <a:fillRef idx="1">
+              <a:schemeClr val="accent1"/>
+            </a:fillRef>
+            <a:effectRef idx="0">
+              <a:schemeClr val="accent1"/>
+            </a:effectRef>
+            <a:fontRef idx="minor">
+              <a:schemeClr val="lt1"/>
+            </a:fontRef>
+          </p:style>
+          <p:txBody>
+            <a:bodyPr rtlCol="0" anchor="ctr"/>
+            <a:lstStyle/>
+            <a:p>
+              <a:pPr algn="ctr"/>
+              <a:endParaRPr kumimoji="1" lang="ja-JP" altLang="en-US"/>
+            </a:p>
+          </p:txBody>
+        </p:sp>
+        <p:sp>
+          <p:nvSpPr>
+            <p:cNvPr id="18" name="テキスト ボックス 17">
+              <a:extLst>
+                <a:ext uri="{FF2B5EF4-FFF2-40B4-BE49-F238E27FC236}">
+                  <a16:creationId xmlns:a16="http://schemas.microsoft.com/office/drawing/2014/main" id="{11125BB2-C8C2-4031-9881-0339DFF6E009}"/>
+                </a:ext>
+              </a:extLst>
+            </p:cNvPr>
+            <p:cNvSpPr txBox="1"/>
+            <p:nvPr/>
+          </p:nvSpPr>
+          <p:spPr>
+            <a:xfrm>
+              <a:off x="2255817" y="3454812"/>
+              <a:ext cx="510134" cy="375390"/>
+            </a:xfrm>
+            <a:prstGeom prst="rect">
+              <a:avLst/>
+            </a:prstGeom>
+            <a:solidFill>
+              <a:schemeClr val="bg1"/>
+            </a:solidFill>
+          </p:spPr>
+          <p:txBody>
+            <a:bodyPr wrap="square" rtlCol="0">
+              <a:spAutoFit/>
+            </a:bodyPr>
+            <a:lstStyle/>
+            <a:p>
+              <a:r>
+                <a:rPr kumimoji="1" lang="en-US" altLang="ja-JP" dirty="0"/>
+                <a:t>IDE</a:t>
+              </a:r>
+              <a:endParaRPr kumimoji="1" lang="ja-JP" altLang="en-US" dirty="0"/>
+            </a:p>
+          </p:txBody>
+        </p:sp>
+        <p:sp>
+          <p:nvSpPr>
+            <p:cNvPr id="19" name="四角形: 角を丸くする 18">
+              <a:extLst>
+                <a:ext uri="{FF2B5EF4-FFF2-40B4-BE49-F238E27FC236}">
+                  <a16:creationId xmlns:a16="http://schemas.microsoft.com/office/drawing/2014/main" id="{6DAC8216-3D11-423D-B222-5FE080588018}"/>
+                </a:ext>
+              </a:extLst>
+            </p:cNvPr>
+            <p:cNvSpPr/>
+            <p:nvPr/>
+          </p:nvSpPr>
+          <p:spPr>
+            <a:xfrm>
+              <a:off x="2019317" y="4795091"/>
+              <a:ext cx="2156060" cy="605447"/>
+            </a:xfrm>
+            <a:prstGeom prst="roundRect">
+              <a:avLst>
+                <a:gd name="adj" fmla="val 6511"/>
+              </a:avLst>
+            </a:prstGeom>
+            <a:noFill/>
+          </p:spPr>
+          <p:style>
+            <a:lnRef idx="2">
+              <a:schemeClr val="accent1">
+                <a:shade val="15000"/>
+              </a:schemeClr>
+            </a:lnRef>
+            <a:fillRef idx="1">
+              <a:schemeClr val="accent1"/>
+            </a:fillRef>
+            <a:effectRef idx="0">
+              <a:schemeClr val="accent1"/>
+            </a:effectRef>
+            <a:fontRef idx="minor">
+              <a:schemeClr val="lt1"/>
+            </a:fontRef>
+          </p:style>
+          <p:txBody>
+            <a:bodyPr rtlCol="0" anchor="ctr"/>
+            <a:lstStyle/>
+            <a:p>
+              <a:pPr algn="ctr"/>
+              <a:endParaRPr kumimoji="1" lang="ja-JP" altLang="en-US"/>
+            </a:p>
+          </p:txBody>
+        </p:sp>
+        <p:sp>
+          <p:nvSpPr>
+            <p:cNvPr id="20" name="テキスト ボックス 19">
+              <a:extLst>
+                <a:ext uri="{FF2B5EF4-FFF2-40B4-BE49-F238E27FC236}">
+                  <a16:creationId xmlns:a16="http://schemas.microsoft.com/office/drawing/2014/main" id="{289B644F-8DDC-4B14-AE6D-180D3F9B33BF}"/>
+                </a:ext>
+              </a:extLst>
+            </p:cNvPr>
+            <p:cNvSpPr txBox="1"/>
+            <p:nvPr/>
+          </p:nvSpPr>
+          <p:spPr>
+            <a:xfrm>
+              <a:off x="2214339" y="4581767"/>
+              <a:ext cx="1306622" cy="461665"/>
+            </a:xfrm>
+            <a:prstGeom prst="rect">
+              <a:avLst/>
+            </a:prstGeom>
+            <a:solidFill>
+              <a:schemeClr val="bg1"/>
+            </a:solidFill>
+          </p:spPr>
+          <p:txBody>
+            <a:bodyPr wrap="square" rtlCol="0">
+              <a:spAutoFit/>
+            </a:bodyPr>
+            <a:lstStyle/>
+            <a:p>
+              <a:r>
+                <a:rPr kumimoji="1" lang="ja-JP" altLang="en-US" sz="1200" dirty="0"/>
+                <a:t>ライブラリ</a:t>
+              </a:r>
+              <a:endParaRPr kumimoji="1" lang="en-US" altLang="ja-JP" sz="1200" dirty="0"/>
+            </a:p>
+            <a:p>
+              <a:r>
+                <a:rPr kumimoji="1" lang="ja-JP" altLang="en-US" sz="1200" dirty="0"/>
+                <a:t>（パッケージ）</a:t>
+              </a:r>
+            </a:p>
+          </p:txBody>
+        </p:sp>
+        <p:sp>
+          <p:nvSpPr>
+            <p:cNvPr id="22" name="四角形: 角を丸くする 21">
+              <a:extLst>
+                <a:ext uri="{FF2B5EF4-FFF2-40B4-BE49-F238E27FC236}">
+                  <a16:creationId xmlns:a16="http://schemas.microsoft.com/office/drawing/2014/main" id="{2F4A35B4-5806-4D11-BE5B-302633A5BA3C}"/>
+                </a:ext>
+              </a:extLst>
+            </p:cNvPr>
+            <p:cNvSpPr/>
+            <p:nvPr/>
+          </p:nvSpPr>
+          <p:spPr>
+            <a:xfrm>
+              <a:off x="2032738" y="5703537"/>
+              <a:ext cx="2156060" cy="605447"/>
+            </a:xfrm>
+            <a:prstGeom prst="roundRect">
+              <a:avLst>
+                <a:gd name="adj" fmla="val 6511"/>
+              </a:avLst>
+            </a:prstGeom>
+            <a:noFill/>
+          </p:spPr>
+          <p:style>
+            <a:lnRef idx="2">
+              <a:schemeClr val="accent1">
+                <a:shade val="15000"/>
+              </a:schemeClr>
+            </a:lnRef>
+            <a:fillRef idx="1">
+              <a:schemeClr val="accent1"/>
+            </a:fillRef>
+            <a:effectRef idx="0">
+              <a:schemeClr val="accent1"/>
+            </a:effectRef>
+            <a:fontRef idx="minor">
+              <a:schemeClr val="lt1"/>
+            </a:fontRef>
+          </p:style>
+          <p:txBody>
+            <a:bodyPr rtlCol="0" anchor="ctr"/>
+            <a:lstStyle/>
+            <a:p>
+              <a:pPr algn="ctr"/>
+              <a:endParaRPr kumimoji="1" lang="ja-JP" altLang="en-US"/>
+            </a:p>
+          </p:txBody>
+        </p:sp>
+        <p:sp>
+          <p:nvSpPr>
+            <p:cNvPr id="42" name="テキスト ボックス 41">
+              <a:extLst>
+                <a:ext uri="{FF2B5EF4-FFF2-40B4-BE49-F238E27FC236}">
+                  <a16:creationId xmlns:a16="http://schemas.microsoft.com/office/drawing/2014/main" id="{0BEECEF7-D019-4FE5-9798-A0CE66CC2D91}"/>
+                </a:ext>
+              </a:extLst>
+            </p:cNvPr>
+            <p:cNvSpPr txBox="1"/>
+            <p:nvPr/>
+          </p:nvSpPr>
+          <p:spPr>
+            <a:xfrm>
+              <a:off x="2154606" y="5567996"/>
+              <a:ext cx="1832008" cy="276999"/>
+            </a:xfrm>
+            <a:prstGeom prst="rect">
+              <a:avLst/>
+            </a:prstGeom>
+            <a:solidFill>
+              <a:schemeClr val="bg1"/>
+            </a:solidFill>
+          </p:spPr>
+          <p:txBody>
+            <a:bodyPr wrap="square" rtlCol="0">
+              <a:spAutoFit/>
+            </a:bodyPr>
+            <a:lstStyle/>
+            <a:p>
+              <a:r>
+                <a:rPr kumimoji="1" lang="ja-JP" altLang="en-US" sz="1200" dirty="0"/>
+                <a:t>パッケージ管理ツール</a:t>
+              </a:r>
+            </a:p>
+          </p:txBody>
+        </p:sp>
+        <p:sp>
+          <p:nvSpPr>
+            <p:cNvPr id="50" name="正方形/長方形 49">
+              <a:extLst>
+                <a:ext uri="{FF2B5EF4-FFF2-40B4-BE49-F238E27FC236}">
+                  <a16:creationId xmlns:a16="http://schemas.microsoft.com/office/drawing/2014/main" id="{02A83D76-B06C-4527-8582-AF515ED8D06F}"/>
+                </a:ext>
+              </a:extLst>
+            </p:cNvPr>
+            <p:cNvSpPr/>
+            <p:nvPr/>
+          </p:nvSpPr>
+          <p:spPr>
+            <a:xfrm>
+              <a:off x="2193245" y="3912599"/>
+              <a:ext cx="1501544" cy="336885"/>
+            </a:xfrm>
+            <a:prstGeom prst="rect">
+              <a:avLst/>
+            </a:prstGeom>
+          </p:spPr>
+          <p:style>
+            <a:lnRef idx="1">
+              <a:schemeClr val="accent6"/>
+            </a:lnRef>
+            <a:fillRef idx="2">
+              <a:schemeClr val="accent6"/>
+            </a:fillRef>
+            <a:effectRef idx="1">
+              <a:schemeClr val="accent6"/>
+            </a:effectRef>
+            <a:fontRef idx="minor">
+              <a:schemeClr val="dk1"/>
+            </a:fontRef>
+          </p:style>
+          <p:txBody>
+            <a:bodyPr rtlCol="0" anchor="ctr"/>
+            <a:lstStyle/>
+            <a:p>
+              <a:r>
+                <a:rPr kumimoji="1" lang="en-US" altLang="ja-JP" sz="1400" dirty="0" err="1"/>
+                <a:t>Jupyter</a:t>
+              </a:r>
+              <a:r>
+                <a:rPr kumimoji="1" lang="en-US" altLang="ja-JP" sz="1400" dirty="0"/>
+                <a:t> Notebook</a:t>
+              </a:r>
+              <a:endParaRPr kumimoji="1" lang="ja-JP" altLang="en-US" sz="1400" dirty="0"/>
+            </a:p>
+          </p:txBody>
+        </p:sp>
+        <p:sp>
+          <p:nvSpPr>
+            <p:cNvPr id="21" name="正方形/長方形 20">
+              <a:extLst>
+                <a:ext uri="{FF2B5EF4-FFF2-40B4-BE49-F238E27FC236}">
+                  <a16:creationId xmlns:a16="http://schemas.microsoft.com/office/drawing/2014/main" id="{24589286-0296-EF0D-384F-16EF029BFA04}"/>
+                </a:ext>
+              </a:extLst>
+            </p:cNvPr>
+            <p:cNvSpPr/>
+            <p:nvPr/>
+          </p:nvSpPr>
+          <p:spPr>
+            <a:xfrm>
+              <a:off x="2133184" y="5832527"/>
+              <a:ext cx="1351297" cy="235305"/>
+            </a:xfrm>
+            <a:prstGeom prst="rect">
+              <a:avLst/>
+            </a:prstGeom>
+          </p:spPr>
+          <p:style>
+            <a:lnRef idx="1">
+              <a:schemeClr val="accent2"/>
+            </a:lnRef>
+            <a:fillRef idx="2">
+              <a:schemeClr val="accent2"/>
+            </a:fillRef>
+            <a:effectRef idx="1">
+              <a:schemeClr val="accent2"/>
+            </a:effectRef>
+            <a:fontRef idx="minor">
+              <a:schemeClr val="dk1"/>
+            </a:fontRef>
+          </p:style>
+          <p:txBody>
+            <a:bodyPr rtlCol="0" anchor="ctr"/>
+            <a:lstStyle/>
+            <a:p>
+              <a:r>
+                <a:rPr kumimoji="1" lang="en-US" altLang="ja-JP" sz="1400" dirty="0"/>
+                <a:t>pip</a:t>
+              </a:r>
+            </a:p>
+          </p:txBody>
+        </p:sp>
+        <p:sp>
+          <p:nvSpPr>
+            <p:cNvPr id="24" name="正方形/長方形 23">
+              <a:extLst>
+                <a:ext uri="{FF2B5EF4-FFF2-40B4-BE49-F238E27FC236}">
+                  <a16:creationId xmlns:a16="http://schemas.microsoft.com/office/drawing/2014/main" id="{3A69A7A4-C330-19EE-02B8-47DE3A04AFC7}"/>
+                </a:ext>
+              </a:extLst>
+            </p:cNvPr>
+            <p:cNvSpPr/>
+            <p:nvPr/>
+          </p:nvSpPr>
+          <p:spPr>
+            <a:xfrm>
+              <a:off x="2144609" y="5059784"/>
+              <a:ext cx="1328382" cy="239031"/>
+            </a:xfrm>
+            <a:prstGeom prst="rect">
+              <a:avLst/>
+            </a:prstGeom>
+          </p:spPr>
+          <p:style>
+            <a:lnRef idx="1">
+              <a:schemeClr val="accent5"/>
+            </a:lnRef>
+            <a:fillRef idx="2">
+              <a:schemeClr val="accent5"/>
+            </a:fillRef>
+            <a:effectRef idx="1">
+              <a:schemeClr val="accent5"/>
+            </a:effectRef>
+            <a:fontRef idx="minor">
+              <a:schemeClr val="dk1"/>
+            </a:fontRef>
+          </p:style>
+          <p:txBody>
+            <a:bodyPr rtlCol="0" anchor="ctr"/>
+            <a:lstStyle/>
+            <a:p>
+              <a:r>
+                <a:rPr kumimoji="1" lang="en-US" altLang="ja-JP" sz="1400" dirty="0"/>
+                <a:t>Pandas</a:t>
+              </a:r>
+              <a:endParaRPr kumimoji="1" lang="ja-JP" altLang="en-US" sz="1400" dirty="0"/>
+            </a:p>
+          </p:txBody>
+        </p:sp>
+        <p:sp>
+          <p:nvSpPr>
+            <p:cNvPr id="30" name="テキスト ボックス 29">
+              <a:extLst>
+                <a:ext uri="{FF2B5EF4-FFF2-40B4-BE49-F238E27FC236}">
+                  <a16:creationId xmlns:a16="http://schemas.microsoft.com/office/drawing/2014/main" id="{8D5FC82F-EF20-CF10-A13D-5E8BC331CF0B}"/>
+                </a:ext>
+              </a:extLst>
+            </p:cNvPr>
+            <p:cNvSpPr txBox="1"/>
+            <p:nvPr/>
+          </p:nvSpPr>
+          <p:spPr>
+            <a:xfrm>
+              <a:off x="3471446" y="5889045"/>
+              <a:ext cx="803247" cy="307777"/>
+            </a:xfrm>
+            <a:prstGeom prst="rect">
+              <a:avLst/>
+            </a:prstGeom>
+            <a:noFill/>
+          </p:spPr>
+          <p:txBody>
+            <a:bodyPr wrap="square" rtlCol="0">
+              <a:spAutoFit/>
+            </a:bodyPr>
+            <a:lstStyle/>
+            <a:p>
+              <a:r>
+                <a:rPr kumimoji="1" lang="ja-JP" altLang="en-US" sz="1400" dirty="0"/>
+                <a:t>・・・</a:t>
+              </a:r>
+            </a:p>
+          </p:txBody>
+        </p:sp>
+        <p:sp>
+          <p:nvSpPr>
+            <p:cNvPr id="31" name="テキスト ボックス 30">
+              <a:extLst>
+                <a:ext uri="{FF2B5EF4-FFF2-40B4-BE49-F238E27FC236}">
+                  <a16:creationId xmlns:a16="http://schemas.microsoft.com/office/drawing/2014/main" id="{502E449D-06E4-3ACE-5A96-DB4E52E96D59}"/>
+                </a:ext>
+              </a:extLst>
+            </p:cNvPr>
+            <p:cNvSpPr txBox="1"/>
+            <p:nvPr/>
+          </p:nvSpPr>
+          <p:spPr>
+            <a:xfrm>
+              <a:off x="3454663" y="5102456"/>
+              <a:ext cx="803247" cy="307777"/>
+            </a:xfrm>
+            <a:prstGeom prst="rect">
+              <a:avLst/>
+            </a:prstGeom>
+            <a:noFill/>
+          </p:spPr>
+          <p:txBody>
+            <a:bodyPr wrap="square" rtlCol="0">
+              <a:spAutoFit/>
+            </a:bodyPr>
+            <a:lstStyle/>
+            <a:p>
+              <a:r>
+                <a:rPr kumimoji="1" lang="ja-JP" altLang="en-US" sz="1400" dirty="0"/>
+                <a:t>・・・</a:t>
+              </a:r>
+            </a:p>
+          </p:txBody>
+        </p:sp>
+      </p:grpSp>
     </p:spTree>
     <p:extLst>
       <p:ext uri="{BB962C8B-B14F-4D97-AF65-F5344CB8AC3E}">
@@ -7281,720 +7649,762 @@
           <a:chExt cx="0" cy="0"/>
         </a:xfrm>
       </p:grpSpPr>
-      <p:sp>
-        <p:nvSpPr>
-          <p:cNvPr id="34" name="四角形: メモ 33">
+      <p:grpSp>
+        <p:nvGrpSpPr>
+          <p:cNvPr id="2" name="グループ化 1">
             <a:extLst>
               <a:ext uri="{FF2B5EF4-FFF2-40B4-BE49-F238E27FC236}">
-                <a16:creationId xmlns:a16="http://schemas.microsoft.com/office/drawing/2014/main" id="{D9487266-7B2D-47F9-B99D-19E68F0116F7}"/>
+                <a16:creationId xmlns:a16="http://schemas.microsoft.com/office/drawing/2014/main" id="{23AC5164-116B-03F1-E315-2ED5E4DB3D14}"/>
               </a:ext>
             </a:extLst>
           </p:cNvPr>
-          <p:cNvSpPr/>
+          <p:cNvGrpSpPr/>
           <p:nvPr/>
-        </p:nvSpPr>
-        <p:spPr>
-          <a:xfrm>
-            <a:off x="4866517" y="851012"/>
-            <a:ext cx="2855982" cy="2496730"/>
-          </a:xfrm>
-          <a:prstGeom prst="foldedCorner">
-            <a:avLst/>
-          </a:prstGeom>
-        </p:spPr>
-        <p:style>
-          <a:lnRef idx="2">
-            <a:schemeClr val="accent4"/>
-          </a:lnRef>
-          <a:fillRef idx="1">
-            <a:schemeClr val="lt1"/>
-          </a:fillRef>
-          <a:effectRef idx="0">
-            <a:schemeClr val="accent4"/>
-          </a:effectRef>
-          <a:fontRef idx="minor">
-            <a:schemeClr val="dk1"/>
-          </a:fontRef>
-        </p:style>
-        <p:txBody>
-          <a:bodyPr rtlCol="0" anchor="t"/>
-          <a:lstStyle/>
-          <a:p>
-            <a:endParaRPr lang="ja-JP" altLang="en-US" sz="1400"/>
-          </a:p>
-        </p:txBody>
-      </p:sp>
-      <p:sp>
-        <p:nvSpPr>
-          <p:cNvPr id="32" name="四角形: メモ 31">
+        </p:nvGrpSpPr>
+        <p:grpSpPr>
+          <a:xfrm>
+            <a:off x="657814" y="546212"/>
+            <a:ext cx="2621146" cy="2732748"/>
+            <a:chOff x="657814" y="546212"/>
+            <a:chExt cx="2621146" cy="2732748"/>
+          </a:xfrm>
+        </p:grpSpPr>
+        <p:sp>
+          <p:nvSpPr>
+            <p:cNvPr id="25" name="四角形: メモ 24">
+              <a:extLst>
+                <a:ext uri="{FF2B5EF4-FFF2-40B4-BE49-F238E27FC236}">
+                  <a16:creationId xmlns:a16="http://schemas.microsoft.com/office/drawing/2014/main" id="{DB71BB2A-E197-4E32-BFC0-74373128AAE2}"/>
+                </a:ext>
+              </a:extLst>
+            </p:cNvPr>
+            <p:cNvSpPr/>
+            <p:nvPr/>
+          </p:nvSpPr>
+          <p:spPr>
+            <a:xfrm>
+              <a:off x="856404" y="967504"/>
+              <a:ext cx="1677247" cy="1082984"/>
+            </a:xfrm>
+            <a:prstGeom prst="foldedCorner">
+              <a:avLst/>
+            </a:prstGeom>
+          </p:spPr>
+          <p:style>
+            <a:lnRef idx="2">
+              <a:schemeClr val="accent1"/>
+            </a:lnRef>
+            <a:fillRef idx="1">
+              <a:schemeClr val="lt1"/>
+            </a:fillRef>
+            <a:effectRef idx="0">
+              <a:schemeClr val="accent1"/>
+            </a:effectRef>
+            <a:fontRef idx="minor">
+              <a:schemeClr val="dk1"/>
+            </a:fontRef>
+          </p:style>
+          <p:txBody>
+            <a:bodyPr rtlCol="0" anchor="t"/>
+            <a:lstStyle/>
+            <a:p>
+              <a:r>
+                <a:rPr lang="LID4096" altLang="ja" sz="1400" dirty="0"/>
+                <a:t>Python</a:t>
+              </a:r>
+              <a:r>
+                <a:rPr lang="ja" altLang="en-US" sz="1400" dirty="0"/>
+                <a:t>コード</a:t>
+              </a:r>
+              <a:endParaRPr lang="ja-JP" altLang="en-US" sz="1400" dirty="0"/>
+            </a:p>
+          </p:txBody>
+        </p:sp>
+        <p:sp>
+          <p:nvSpPr>
+            <p:cNvPr id="4" name="四角形: メモ 3">
+              <a:extLst>
+                <a:ext uri="{FF2B5EF4-FFF2-40B4-BE49-F238E27FC236}">
+                  <a16:creationId xmlns:a16="http://schemas.microsoft.com/office/drawing/2014/main" id="{799D66FB-0105-4944-9921-0FA834F5CDB9}"/>
+                </a:ext>
+              </a:extLst>
+            </p:cNvPr>
+            <p:cNvSpPr/>
+            <p:nvPr/>
+          </p:nvSpPr>
+          <p:spPr>
+            <a:xfrm>
+              <a:off x="1018329" y="1293042"/>
+              <a:ext cx="1677247" cy="1082984"/>
+            </a:xfrm>
+            <a:prstGeom prst="foldedCorner">
+              <a:avLst/>
+            </a:prstGeom>
+          </p:spPr>
+          <p:style>
+            <a:lnRef idx="2">
+              <a:schemeClr val="accent1"/>
+            </a:lnRef>
+            <a:fillRef idx="1">
+              <a:schemeClr val="lt1"/>
+            </a:fillRef>
+            <a:effectRef idx="0">
+              <a:schemeClr val="accent1"/>
+            </a:effectRef>
+            <a:fontRef idx="minor">
+              <a:schemeClr val="dk1"/>
+            </a:fontRef>
+          </p:style>
+          <p:txBody>
+            <a:bodyPr rtlCol="0" anchor="t"/>
+            <a:lstStyle/>
+            <a:p>
+              <a:r>
+                <a:rPr lang="LID4096" altLang="ja" sz="1400" dirty="0"/>
+                <a:t>Python</a:t>
+              </a:r>
+              <a:r>
+                <a:rPr lang="ja" altLang="en-US" sz="1400" dirty="0"/>
+                <a:t>コード</a:t>
+              </a:r>
+              <a:endParaRPr lang="ja-JP" altLang="en-US" sz="1400" dirty="0"/>
+            </a:p>
+          </p:txBody>
+        </p:sp>
+        <p:sp>
+          <p:nvSpPr>
+            <p:cNvPr id="6" name="四角形: メモ 5">
+              <a:extLst>
+                <a:ext uri="{FF2B5EF4-FFF2-40B4-BE49-F238E27FC236}">
+                  <a16:creationId xmlns:a16="http://schemas.microsoft.com/office/drawing/2014/main" id="{796192E5-7511-44EE-91A5-316D5E7C0EE3}"/>
+                </a:ext>
+              </a:extLst>
+            </p:cNvPr>
+            <p:cNvSpPr/>
+            <p:nvPr/>
+          </p:nvSpPr>
+          <p:spPr>
+            <a:xfrm>
+              <a:off x="1180254" y="1630881"/>
+              <a:ext cx="1677247" cy="1082984"/>
+            </a:xfrm>
+            <a:prstGeom prst="foldedCorner">
+              <a:avLst/>
+            </a:prstGeom>
+          </p:spPr>
+          <p:style>
+            <a:lnRef idx="1">
+              <a:schemeClr val="accent2"/>
+            </a:lnRef>
+            <a:fillRef idx="2">
+              <a:schemeClr val="accent2"/>
+            </a:fillRef>
+            <a:effectRef idx="1">
+              <a:schemeClr val="accent2"/>
+            </a:effectRef>
+            <a:fontRef idx="minor">
+              <a:schemeClr val="dk1"/>
+            </a:fontRef>
+          </p:style>
+          <p:txBody>
+            <a:bodyPr rtlCol="0" anchor="t"/>
+            <a:lstStyle/>
+            <a:p>
+              <a:r>
+                <a:rPr lang="ja" altLang="en-US" sz="1400" dirty="0"/>
+                <a:t>説明資料</a:t>
+              </a:r>
+              <a:endParaRPr lang="en-US" altLang="ja" sz="1400" dirty="0"/>
+            </a:p>
+            <a:p>
+              <a:r>
+                <a:rPr lang="en-US" altLang="ja" sz="900" dirty="0"/>
+                <a:t>※</a:t>
+              </a:r>
+              <a:r>
+                <a:rPr lang="ja" altLang="en-US" sz="900" dirty="0"/>
+                <a:t>開くのは別アプリの</a:t>
+              </a:r>
+              <a:br>
+                <a:rPr lang="en-US" altLang="ja" sz="900" dirty="0"/>
+              </a:br>
+              <a:r>
+                <a:rPr lang="ja" altLang="en-US" sz="900" dirty="0"/>
+                <a:t>　場合あり</a:t>
+              </a:r>
+              <a:endParaRPr lang="ja-JP" altLang="en-US" sz="900" dirty="0"/>
+            </a:p>
+          </p:txBody>
+        </p:sp>
+        <p:sp>
+          <p:nvSpPr>
+            <p:cNvPr id="8" name="四角形: メモ 7">
+              <a:extLst>
+                <a:ext uri="{FF2B5EF4-FFF2-40B4-BE49-F238E27FC236}">
+                  <a16:creationId xmlns:a16="http://schemas.microsoft.com/office/drawing/2014/main" id="{4E377692-3C1B-4CA2-8E05-C673081CF38F}"/>
+                </a:ext>
+              </a:extLst>
+            </p:cNvPr>
+            <p:cNvSpPr/>
+            <p:nvPr/>
+          </p:nvSpPr>
+          <p:spPr>
+            <a:xfrm>
+              <a:off x="1404468" y="2219575"/>
+              <a:ext cx="1677247" cy="903281"/>
+            </a:xfrm>
+            <a:prstGeom prst="foldedCorner">
+              <a:avLst/>
+            </a:prstGeom>
+          </p:spPr>
+          <p:style>
+            <a:lnRef idx="2">
+              <a:schemeClr val="accent6"/>
+            </a:lnRef>
+            <a:fillRef idx="1">
+              <a:schemeClr val="lt1"/>
+            </a:fillRef>
+            <a:effectRef idx="0">
+              <a:schemeClr val="accent6"/>
+            </a:effectRef>
+            <a:fontRef idx="minor">
+              <a:schemeClr val="dk1"/>
+            </a:fontRef>
+          </p:style>
+          <p:txBody>
+            <a:bodyPr rtlCol="0" anchor="t"/>
+            <a:lstStyle/>
+            <a:p>
+              <a:r>
+                <a:rPr lang="ja" altLang="en-US" sz="1400" dirty="0"/>
+                <a:t>実行結果（ログ）</a:t>
+              </a:r>
+              <a:endParaRPr lang="en-US" altLang="ja" sz="1400" dirty="0"/>
+            </a:p>
+            <a:p>
+              <a:r>
+                <a:rPr lang="en-US" altLang="ja" sz="900" dirty="0"/>
+                <a:t>※</a:t>
+              </a:r>
+              <a:r>
+                <a:rPr lang="ja" altLang="en-US" sz="900" dirty="0"/>
+                <a:t>開くのは別アプリの</a:t>
+              </a:r>
+              <a:br>
+                <a:rPr lang="en-US" altLang="ja" sz="900" dirty="0"/>
+              </a:br>
+              <a:r>
+                <a:rPr lang="ja" altLang="en-US" sz="900" dirty="0"/>
+                <a:t>　場合あり</a:t>
+              </a:r>
+              <a:endParaRPr lang="ja-JP" altLang="en-US" sz="900" dirty="0"/>
+            </a:p>
+          </p:txBody>
+        </p:sp>
+        <p:sp>
+          <p:nvSpPr>
+            <p:cNvPr id="9" name="四角形: 角を丸くする 8">
+              <a:extLst>
+                <a:ext uri="{FF2B5EF4-FFF2-40B4-BE49-F238E27FC236}">
+                  <a16:creationId xmlns:a16="http://schemas.microsoft.com/office/drawing/2014/main" id="{87A6D5B2-DCA5-4658-B631-DC79DBD0AEA4}"/>
+                </a:ext>
+              </a:extLst>
+            </p:cNvPr>
+            <p:cNvSpPr/>
+            <p:nvPr/>
+          </p:nvSpPr>
+          <p:spPr>
+            <a:xfrm>
+              <a:off x="657814" y="546212"/>
+              <a:ext cx="2621146" cy="2732748"/>
+            </a:xfrm>
+            <a:prstGeom prst="roundRect">
+              <a:avLst>
+                <a:gd name="adj" fmla="val 10214"/>
+              </a:avLst>
+            </a:prstGeom>
+            <a:noFill/>
+          </p:spPr>
+          <p:style>
+            <a:lnRef idx="2">
+              <a:schemeClr val="dk1"/>
+            </a:lnRef>
+            <a:fillRef idx="1">
+              <a:schemeClr val="lt1"/>
+            </a:fillRef>
+            <a:effectRef idx="0">
+              <a:schemeClr val="dk1"/>
+            </a:effectRef>
+            <a:fontRef idx="minor">
+              <a:schemeClr val="dk1"/>
+            </a:fontRef>
+          </p:style>
+          <p:txBody>
+            <a:bodyPr rtlCol="0" anchor="ctr"/>
+            <a:lstStyle/>
+            <a:p>
+              <a:pPr algn="ctr"/>
+              <a:endParaRPr lang="ja-JP" altLang="en-US"/>
+            </a:p>
+          </p:txBody>
+        </p:sp>
+        <p:sp>
+          <p:nvSpPr>
+            <p:cNvPr id="19" name="正方形/長方形 18">
+              <a:extLst>
+                <a:ext uri="{FF2B5EF4-FFF2-40B4-BE49-F238E27FC236}">
+                  <a16:creationId xmlns:a16="http://schemas.microsoft.com/office/drawing/2014/main" id="{C8BF597A-1950-45EA-9FE6-F6761D79D1F9}"/>
+                </a:ext>
+              </a:extLst>
+            </p:cNvPr>
+            <p:cNvSpPr/>
+            <p:nvPr/>
+          </p:nvSpPr>
+          <p:spPr>
+            <a:xfrm>
+              <a:off x="910522" y="546212"/>
+              <a:ext cx="1407337" cy="301092"/>
+            </a:xfrm>
+            <a:prstGeom prst="rect">
+              <a:avLst/>
+            </a:prstGeom>
+          </p:spPr>
+          <p:style>
+            <a:lnRef idx="2">
+              <a:schemeClr val="dk1">
+                <a:shade val="50000"/>
+              </a:schemeClr>
+            </a:lnRef>
+            <a:fillRef idx="1">
+              <a:schemeClr val="dk1"/>
+            </a:fillRef>
+            <a:effectRef idx="0">
+              <a:schemeClr val="dk1"/>
+            </a:effectRef>
+            <a:fontRef idx="minor">
+              <a:schemeClr val="lt1"/>
+            </a:fontRef>
+          </p:style>
+          <p:txBody>
+            <a:bodyPr rtlCol="0" anchor="ctr"/>
+            <a:lstStyle/>
+            <a:p>
+              <a:pPr algn="ctr"/>
+              <a:r>
+                <a:rPr lang="ja" altLang="en-US" sz="1400" dirty="0"/>
+                <a:t>プロジェクト</a:t>
+              </a:r>
+              <a:endParaRPr lang="ja-JP" altLang="en-US" sz="1400" dirty="0"/>
+            </a:p>
+          </p:txBody>
+        </p:sp>
+      </p:grpSp>
+      <p:grpSp>
+        <p:nvGrpSpPr>
+          <p:cNvPr id="3" name="グループ化 2">
             <a:extLst>
               <a:ext uri="{FF2B5EF4-FFF2-40B4-BE49-F238E27FC236}">
-                <a16:creationId xmlns:a16="http://schemas.microsoft.com/office/drawing/2014/main" id="{D3EA9FF2-EA07-495F-8AE6-3E8AEA115E09}"/>
+                <a16:creationId xmlns:a16="http://schemas.microsoft.com/office/drawing/2014/main" id="{A2A6B854-51EC-2BF0-DEDB-1C101CF8AD13}"/>
               </a:ext>
             </a:extLst>
           </p:cNvPr>
-          <p:cNvSpPr/>
+          <p:cNvGrpSpPr/>
           <p:nvPr/>
-        </p:nvSpPr>
-        <p:spPr>
-          <a:xfrm>
-            <a:off x="4714117" y="698612"/>
-            <a:ext cx="2855982" cy="2496730"/>
-          </a:xfrm>
-          <a:prstGeom prst="foldedCorner">
-            <a:avLst/>
-          </a:prstGeom>
-        </p:spPr>
-        <p:style>
-          <a:lnRef idx="2">
-            <a:schemeClr val="accent4"/>
-          </a:lnRef>
-          <a:fillRef idx="1">
-            <a:schemeClr val="lt1"/>
-          </a:fillRef>
-          <a:effectRef idx="0">
-            <a:schemeClr val="accent4"/>
-          </a:effectRef>
-          <a:fontRef idx="minor">
-            <a:schemeClr val="dk1"/>
-          </a:fontRef>
-        </p:style>
-        <p:txBody>
-          <a:bodyPr rtlCol="0" anchor="t"/>
-          <a:lstStyle/>
-          <a:p>
-            <a:endParaRPr lang="ja-JP" altLang="en-US" sz="1400"/>
-          </a:p>
-        </p:txBody>
-      </p:sp>
-      <p:sp>
-        <p:nvSpPr>
-          <p:cNvPr id="25" name="四角形: メモ 24">
-            <a:extLst>
-              <a:ext uri="{FF2B5EF4-FFF2-40B4-BE49-F238E27FC236}">
-                <a16:creationId xmlns:a16="http://schemas.microsoft.com/office/drawing/2014/main" id="{DB71BB2A-E197-4E32-BFC0-74373128AAE2}"/>
-              </a:ext>
-            </a:extLst>
-          </p:cNvPr>
-          <p:cNvSpPr/>
-          <p:nvPr/>
-        </p:nvSpPr>
-        <p:spPr>
-          <a:xfrm>
-            <a:off x="856404" y="967504"/>
-            <a:ext cx="1677247" cy="1082984"/>
-          </a:xfrm>
-          <a:prstGeom prst="foldedCorner">
-            <a:avLst/>
-          </a:prstGeom>
-        </p:spPr>
-        <p:style>
-          <a:lnRef idx="2">
-            <a:schemeClr val="accent1"/>
-          </a:lnRef>
-          <a:fillRef idx="1">
-            <a:schemeClr val="lt1"/>
-          </a:fillRef>
-          <a:effectRef idx="0">
-            <a:schemeClr val="accent1"/>
-          </a:effectRef>
-          <a:fontRef idx="minor">
-            <a:schemeClr val="dk1"/>
-          </a:fontRef>
-        </p:style>
-        <p:txBody>
-          <a:bodyPr rtlCol="0" anchor="t"/>
-          <a:lstStyle/>
-          <a:p>
-            <a:r>
-              <a:rPr lang="LID4096" altLang="ja" sz="1400" dirty="0"/>
-              <a:t>Python</a:t>
-            </a:r>
-            <a:r>
-              <a:rPr lang="ja" altLang="en-US" sz="1400" dirty="0"/>
-              <a:t>コード</a:t>
-            </a:r>
-            <a:endParaRPr lang="ja-JP" altLang="en-US" sz="1400" dirty="0"/>
-          </a:p>
-        </p:txBody>
-      </p:sp>
-      <p:sp>
-        <p:nvSpPr>
-          <p:cNvPr id="4" name="四角形: メモ 3">
-            <a:extLst>
-              <a:ext uri="{FF2B5EF4-FFF2-40B4-BE49-F238E27FC236}">
-                <a16:creationId xmlns:a16="http://schemas.microsoft.com/office/drawing/2014/main" id="{799D66FB-0105-4944-9921-0FA834F5CDB9}"/>
-              </a:ext>
-            </a:extLst>
-          </p:cNvPr>
-          <p:cNvSpPr/>
-          <p:nvPr/>
-        </p:nvSpPr>
-        <p:spPr>
-          <a:xfrm>
-            <a:off x="1018329" y="1293042"/>
-            <a:ext cx="1677247" cy="1082984"/>
-          </a:xfrm>
-          <a:prstGeom prst="foldedCorner">
-            <a:avLst/>
-          </a:prstGeom>
-        </p:spPr>
-        <p:style>
-          <a:lnRef idx="2">
-            <a:schemeClr val="accent1"/>
-          </a:lnRef>
-          <a:fillRef idx="1">
-            <a:schemeClr val="lt1"/>
-          </a:fillRef>
-          <a:effectRef idx="0">
-            <a:schemeClr val="accent1"/>
-          </a:effectRef>
-          <a:fontRef idx="minor">
-            <a:schemeClr val="dk1"/>
-          </a:fontRef>
-        </p:style>
-        <p:txBody>
-          <a:bodyPr rtlCol="0" anchor="t"/>
-          <a:lstStyle/>
-          <a:p>
-            <a:r>
-              <a:rPr lang="LID4096" altLang="ja" sz="1400" dirty="0"/>
-              <a:t>Python</a:t>
-            </a:r>
-            <a:r>
-              <a:rPr lang="ja" altLang="en-US" sz="1400" dirty="0"/>
-              <a:t>コード</a:t>
-            </a:r>
-            <a:endParaRPr lang="ja-JP" altLang="en-US" sz="1400" dirty="0"/>
-          </a:p>
-        </p:txBody>
-      </p:sp>
-      <p:sp>
-        <p:nvSpPr>
-          <p:cNvPr id="6" name="四角形: メモ 5">
-            <a:extLst>
-              <a:ext uri="{FF2B5EF4-FFF2-40B4-BE49-F238E27FC236}">
-                <a16:creationId xmlns:a16="http://schemas.microsoft.com/office/drawing/2014/main" id="{796192E5-7511-44EE-91A5-316D5E7C0EE3}"/>
-              </a:ext>
-            </a:extLst>
-          </p:cNvPr>
-          <p:cNvSpPr/>
-          <p:nvPr/>
-        </p:nvSpPr>
-        <p:spPr>
-          <a:xfrm>
-            <a:off x="1180254" y="1630881"/>
-            <a:ext cx="1677247" cy="1082984"/>
-          </a:xfrm>
-          <a:prstGeom prst="foldedCorner">
-            <a:avLst/>
-          </a:prstGeom>
-        </p:spPr>
-        <p:style>
-          <a:lnRef idx="1">
-            <a:schemeClr val="accent2"/>
-          </a:lnRef>
-          <a:fillRef idx="2">
-            <a:schemeClr val="accent2"/>
-          </a:fillRef>
-          <a:effectRef idx="1">
-            <a:schemeClr val="accent2"/>
-          </a:effectRef>
-          <a:fontRef idx="minor">
-            <a:schemeClr val="dk1"/>
-          </a:fontRef>
-        </p:style>
-        <p:txBody>
-          <a:bodyPr rtlCol="0" anchor="t"/>
-          <a:lstStyle/>
-          <a:p>
-            <a:r>
-              <a:rPr lang="ja" altLang="en-US" sz="1400" dirty="0"/>
-              <a:t>説明資料</a:t>
-            </a:r>
-            <a:endParaRPr lang="en-US" altLang="ja" sz="1400" dirty="0"/>
-          </a:p>
-          <a:p>
-            <a:r>
-              <a:rPr lang="en-US" altLang="ja" sz="900" dirty="0"/>
-              <a:t>※</a:t>
-            </a:r>
-            <a:r>
-              <a:rPr lang="ja" altLang="en-US" sz="900" dirty="0"/>
-              <a:t>開くのは別アプリの</a:t>
-            </a:r>
-            <a:br>
-              <a:rPr lang="en-US" altLang="ja" sz="900" dirty="0"/>
-            </a:br>
-            <a:r>
-              <a:rPr lang="ja" altLang="en-US" sz="900" dirty="0"/>
-              <a:t>　場合あり</a:t>
-            </a:r>
-            <a:endParaRPr lang="ja-JP" altLang="en-US" sz="900" dirty="0"/>
-          </a:p>
-        </p:txBody>
-      </p:sp>
-      <p:sp>
-        <p:nvSpPr>
-          <p:cNvPr id="8" name="四角形: メモ 7">
-            <a:extLst>
-              <a:ext uri="{FF2B5EF4-FFF2-40B4-BE49-F238E27FC236}">
-                <a16:creationId xmlns:a16="http://schemas.microsoft.com/office/drawing/2014/main" id="{4E377692-3C1B-4CA2-8E05-C673081CF38F}"/>
-              </a:ext>
-            </a:extLst>
-          </p:cNvPr>
-          <p:cNvSpPr/>
-          <p:nvPr/>
-        </p:nvSpPr>
-        <p:spPr>
-          <a:xfrm>
-            <a:off x="1404468" y="2219575"/>
-            <a:ext cx="1677247" cy="903281"/>
-          </a:xfrm>
-          <a:prstGeom prst="foldedCorner">
-            <a:avLst/>
-          </a:prstGeom>
-        </p:spPr>
-        <p:style>
-          <a:lnRef idx="2">
-            <a:schemeClr val="accent6"/>
-          </a:lnRef>
-          <a:fillRef idx="1">
-            <a:schemeClr val="lt1"/>
-          </a:fillRef>
-          <a:effectRef idx="0">
-            <a:schemeClr val="accent6"/>
-          </a:effectRef>
-          <a:fontRef idx="minor">
-            <a:schemeClr val="dk1"/>
-          </a:fontRef>
-        </p:style>
-        <p:txBody>
-          <a:bodyPr rtlCol="0" anchor="t"/>
-          <a:lstStyle/>
-          <a:p>
-            <a:r>
-              <a:rPr lang="ja" altLang="en-US" sz="1400" dirty="0"/>
-              <a:t>実行結果（ログ）</a:t>
-            </a:r>
-            <a:endParaRPr lang="en-US" altLang="ja" sz="1400" dirty="0"/>
-          </a:p>
-          <a:p>
-            <a:r>
-              <a:rPr lang="en-US" altLang="ja" sz="900" dirty="0"/>
-              <a:t>※</a:t>
-            </a:r>
-            <a:r>
-              <a:rPr lang="ja" altLang="en-US" sz="900" dirty="0"/>
-              <a:t>開くのは別アプリの</a:t>
-            </a:r>
-            <a:br>
-              <a:rPr lang="en-US" altLang="ja" sz="900" dirty="0"/>
-            </a:br>
-            <a:r>
-              <a:rPr lang="ja" altLang="en-US" sz="900" dirty="0"/>
-              <a:t>　場合あり</a:t>
-            </a:r>
-            <a:endParaRPr lang="ja-JP" altLang="en-US" sz="900" dirty="0"/>
-          </a:p>
-        </p:txBody>
-      </p:sp>
-      <p:sp>
-        <p:nvSpPr>
-          <p:cNvPr id="9" name="四角形: 角を丸くする 8">
-            <a:extLst>
-              <a:ext uri="{FF2B5EF4-FFF2-40B4-BE49-F238E27FC236}">
-                <a16:creationId xmlns:a16="http://schemas.microsoft.com/office/drawing/2014/main" id="{87A6D5B2-DCA5-4658-B631-DC79DBD0AEA4}"/>
-              </a:ext>
-            </a:extLst>
-          </p:cNvPr>
-          <p:cNvSpPr/>
-          <p:nvPr/>
-        </p:nvSpPr>
-        <p:spPr>
-          <a:xfrm>
-            <a:off x="657814" y="546212"/>
-            <a:ext cx="2621146" cy="2732748"/>
-          </a:xfrm>
-          <a:prstGeom prst="roundRect">
-            <a:avLst>
-              <a:gd name="adj" fmla="val 10214"/>
-            </a:avLst>
-          </a:prstGeom>
-          <a:noFill/>
-        </p:spPr>
-        <p:style>
-          <a:lnRef idx="2">
-            <a:schemeClr val="dk1"/>
-          </a:lnRef>
-          <a:fillRef idx="1">
-            <a:schemeClr val="lt1"/>
-          </a:fillRef>
-          <a:effectRef idx="0">
-            <a:schemeClr val="dk1"/>
-          </a:effectRef>
-          <a:fontRef idx="minor">
-            <a:schemeClr val="dk1"/>
-          </a:fontRef>
-        </p:style>
-        <p:txBody>
-          <a:bodyPr rtlCol="0" anchor="ctr"/>
-          <a:lstStyle/>
-          <a:p>
-            <a:pPr algn="ctr"/>
-            <a:endParaRPr lang="ja-JP" altLang="en-US"/>
-          </a:p>
-        </p:txBody>
-      </p:sp>
-      <p:sp>
-        <p:nvSpPr>
-          <p:cNvPr id="13" name="四角形: メモ 12">
-            <a:extLst>
-              <a:ext uri="{FF2B5EF4-FFF2-40B4-BE49-F238E27FC236}">
-                <a16:creationId xmlns:a16="http://schemas.microsoft.com/office/drawing/2014/main" id="{AC7264C9-104B-4CED-81AA-E59478F476C0}"/>
-              </a:ext>
-            </a:extLst>
-          </p:cNvPr>
-          <p:cNvSpPr/>
-          <p:nvPr/>
-        </p:nvSpPr>
-        <p:spPr>
+        </p:nvGrpSpPr>
+        <p:grpSpPr>
           <a:xfrm>
             <a:off x="4561717" y="546212"/>
-            <a:ext cx="2855982" cy="2496730"/>
-          </a:xfrm>
-          <a:prstGeom prst="foldedCorner">
-            <a:avLst/>
-          </a:prstGeom>
-        </p:spPr>
-        <p:style>
-          <a:lnRef idx="2">
-            <a:schemeClr val="accent4"/>
-          </a:lnRef>
-          <a:fillRef idx="1">
-            <a:schemeClr val="lt1"/>
-          </a:fillRef>
-          <a:effectRef idx="0">
-            <a:schemeClr val="accent4"/>
-          </a:effectRef>
-          <a:fontRef idx="minor">
-            <a:schemeClr val="dk1"/>
-          </a:fontRef>
-        </p:style>
-        <p:txBody>
-          <a:bodyPr rtlCol="0" anchor="t"/>
-          <a:lstStyle/>
-          <a:p>
-            <a:endParaRPr lang="ja-JP" altLang="en-US" sz="1400"/>
-          </a:p>
-        </p:txBody>
-      </p:sp>
-      <p:sp>
-        <p:nvSpPr>
-          <p:cNvPr id="14" name="正方形/長方形 13">
-            <a:extLst>
-              <a:ext uri="{FF2B5EF4-FFF2-40B4-BE49-F238E27FC236}">
-                <a16:creationId xmlns:a16="http://schemas.microsoft.com/office/drawing/2014/main" id="{CF250A3A-6B40-4C59-90B9-C63C9ADF4A18}"/>
-              </a:ext>
-            </a:extLst>
-          </p:cNvPr>
-          <p:cNvSpPr/>
-          <p:nvPr/>
-        </p:nvSpPr>
-        <p:spPr>
-          <a:xfrm>
-            <a:off x="5758153" y="1041176"/>
-            <a:ext cx="1424710" cy="710579"/>
-          </a:xfrm>
-          <a:prstGeom prst="rect">
-            <a:avLst/>
-          </a:prstGeom>
-        </p:spPr>
-        <p:style>
-          <a:lnRef idx="2">
-            <a:schemeClr val="accent1"/>
-          </a:lnRef>
-          <a:fillRef idx="1">
-            <a:schemeClr val="lt1"/>
-          </a:fillRef>
-          <a:effectRef idx="0">
-            <a:schemeClr val="accent1"/>
-          </a:effectRef>
-          <a:fontRef idx="minor">
-            <a:schemeClr val="dk1"/>
-          </a:fontRef>
-        </p:style>
-        <p:txBody>
-          <a:bodyPr rtlCol="0" anchor="t"/>
-          <a:lstStyle/>
-          <a:p>
-            <a:r>
-              <a:rPr lang="LID4096" altLang="ja-JP" sz="1400" dirty="0"/>
-              <a:t>Python</a:t>
-            </a:r>
-            <a:r>
-              <a:rPr lang="ja" altLang="en-US" sz="1400" dirty="0"/>
-              <a:t>コード１</a:t>
-            </a:r>
-            <a:endParaRPr lang="ja-JP" altLang="en-US" sz="1400" dirty="0"/>
-          </a:p>
-        </p:txBody>
-      </p:sp>
-      <p:sp>
-        <p:nvSpPr>
-          <p:cNvPr id="16" name="正方形/長方形 15">
-            <a:extLst>
-              <a:ext uri="{FF2B5EF4-FFF2-40B4-BE49-F238E27FC236}">
-                <a16:creationId xmlns:a16="http://schemas.microsoft.com/office/drawing/2014/main" id="{56D6FE7E-39F8-4DDC-8B93-FFE30109FBDB}"/>
-              </a:ext>
-            </a:extLst>
-          </p:cNvPr>
-          <p:cNvSpPr/>
-          <p:nvPr/>
-        </p:nvSpPr>
-        <p:spPr>
-          <a:xfrm>
-            <a:off x="4712339" y="1041177"/>
-            <a:ext cx="921733" cy="710579"/>
-          </a:xfrm>
-          <a:prstGeom prst="rect">
-            <a:avLst/>
-          </a:prstGeom>
-        </p:spPr>
-        <p:style>
-          <a:lnRef idx="2">
-            <a:schemeClr val="accent2"/>
-          </a:lnRef>
-          <a:fillRef idx="1">
-            <a:schemeClr val="lt1"/>
-          </a:fillRef>
-          <a:effectRef idx="0">
-            <a:schemeClr val="accent2"/>
-          </a:effectRef>
-          <a:fontRef idx="minor">
-            <a:schemeClr val="dk1"/>
-          </a:fontRef>
-        </p:style>
-        <p:txBody>
-          <a:bodyPr rtlCol="0" anchor="t"/>
-          <a:lstStyle/>
-          <a:p>
-            <a:r>
-              <a:rPr lang="ja" altLang="en-US" sz="1400" dirty="0"/>
-              <a:t>説明資料</a:t>
-            </a:r>
-            <a:endParaRPr lang="ja-JP" altLang="en-US" sz="1400" dirty="0"/>
-          </a:p>
-        </p:txBody>
-      </p:sp>
-      <p:sp>
-        <p:nvSpPr>
-          <p:cNvPr id="18" name="正方形/長方形 17">
-            <a:extLst>
-              <a:ext uri="{FF2B5EF4-FFF2-40B4-BE49-F238E27FC236}">
-                <a16:creationId xmlns:a16="http://schemas.microsoft.com/office/drawing/2014/main" id="{D90F9BDA-A539-49B7-AA61-F57E19F38DB3}"/>
-              </a:ext>
-            </a:extLst>
-          </p:cNvPr>
-          <p:cNvSpPr/>
-          <p:nvPr/>
-        </p:nvSpPr>
-        <p:spPr>
-          <a:xfrm>
-            <a:off x="6268463" y="1917643"/>
-            <a:ext cx="914400" cy="705522"/>
-          </a:xfrm>
-          <a:prstGeom prst="rect">
-            <a:avLst/>
-          </a:prstGeom>
-        </p:spPr>
-        <p:style>
-          <a:lnRef idx="2">
-            <a:schemeClr val="accent6"/>
-          </a:lnRef>
-          <a:fillRef idx="1">
-            <a:schemeClr val="lt1"/>
-          </a:fillRef>
-          <a:effectRef idx="0">
-            <a:schemeClr val="accent6"/>
-          </a:effectRef>
-          <a:fontRef idx="minor">
-            <a:schemeClr val="dk1"/>
-          </a:fontRef>
-        </p:style>
-        <p:txBody>
-          <a:bodyPr rtlCol="0" anchor="t"/>
-          <a:lstStyle/>
-          <a:p>
-            <a:r>
-              <a:rPr lang="ja" altLang="en-US" sz="1400" dirty="0"/>
-              <a:t>実行結果</a:t>
-            </a:r>
-            <a:endParaRPr lang="ja-JP" altLang="en-US" sz="1400" dirty="0"/>
-          </a:p>
-        </p:txBody>
-      </p:sp>
-      <p:sp>
-        <p:nvSpPr>
-          <p:cNvPr id="19" name="正方形/長方形 18">
-            <a:extLst>
-              <a:ext uri="{FF2B5EF4-FFF2-40B4-BE49-F238E27FC236}">
-                <a16:creationId xmlns:a16="http://schemas.microsoft.com/office/drawing/2014/main" id="{C8BF597A-1950-45EA-9FE6-F6761D79D1F9}"/>
-              </a:ext>
-            </a:extLst>
-          </p:cNvPr>
-          <p:cNvSpPr/>
-          <p:nvPr/>
-        </p:nvSpPr>
-        <p:spPr>
-          <a:xfrm>
-            <a:off x="910522" y="546212"/>
-            <a:ext cx="1407337" cy="301092"/>
-          </a:xfrm>
-          <a:prstGeom prst="rect">
-            <a:avLst/>
-          </a:prstGeom>
-        </p:spPr>
-        <p:style>
-          <a:lnRef idx="2">
-            <a:schemeClr val="dk1">
-              <a:shade val="50000"/>
-            </a:schemeClr>
-          </a:lnRef>
-          <a:fillRef idx="1">
-            <a:schemeClr val="dk1"/>
-          </a:fillRef>
-          <a:effectRef idx="0">
-            <a:schemeClr val="dk1"/>
-          </a:effectRef>
-          <a:fontRef idx="minor">
-            <a:schemeClr val="lt1"/>
-          </a:fontRef>
-        </p:style>
-        <p:txBody>
-          <a:bodyPr rtlCol="0" anchor="ctr"/>
-          <a:lstStyle/>
-          <a:p>
-            <a:pPr algn="ctr"/>
-            <a:r>
-              <a:rPr lang="ja" altLang="en-US" sz="1400" dirty="0"/>
-              <a:t>プロジェクト</a:t>
-            </a:r>
-            <a:endParaRPr lang="ja-JP" altLang="en-US" sz="1400" dirty="0"/>
-          </a:p>
-        </p:txBody>
-      </p:sp>
-      <p:sp>
-        <p:nvSpPr>
-          <p:cNvPr id="23" name="正方形/長方形 22">
-            <a:extLst>
-              <a:ext uri="{FF2B5EF4-FFF2-40B4-BE49-F238E27FC236}">
-                <a16:creationId xmlns:a16="http://schemas.microsoft.com/office/drawing/2014/main" id="{08F8332C-5901-4A45-973B-B00E55232C81}"/>
-              </a:ext>
-            </a:extLst>
-          </p:cNvPr>
-          <p:cNvSpPr/>
-          <p:nvPr/>
-        </p:nvSpPr>
-        <p:spPr>
-          <a:xfrm>
-            <a:off x="4712339" y="546212"/>
-            <a:ext cx="1706916" cy="284908"/>
-          </a:xfrm>
-          <a:prstGeom prst="rect">
-            <a:avLst/>
-          </a:prstGeom>
-        </p:spPr>
-        <p:style>
-          <a:lnRef idx="1">
-            <a:schemeClr val="accent4"/>
-          </a:lnRef>
-          <a:fillRef idx="2">
-            <a:schemeClr val="accent4"/>
-          </a:fillRef>
-          <a:effectRef idx="1">
-            <a:schemeClr val="accent4"/>
-          </a:effectRef>
-          <a:fontRef idx="minor">
-            <a:schemeClr val="dk1"/>
-          </a:fontRef>
-        </p:style>
-        <p:txBody>
-          <a:bodyPr rtlCol="0" anchor="ctr"/>
-          <a:lstStyle/>
-          <a:p>
-            <a:pPr algn="ctr"/>
-            <a:r>
-              <a:rPr lang="af-ZA" altLang="ja-JP" sz="1400" dirty="0"/>
-              <a:t>N</a:t>
-            </a:r>
-            <a:r>
-              <a:rPr lang="LID4096" altLang="ja-JP" sz="1400" dirty="0"/>
-              <a:t>otebook(*</a:t>
-            </a:r>
-            <a:r>
-              <a:rPr lang="af-ZA" altLang="ja-JP" sz="1400" dirty="0"/>
-              <a:t>.ipynb</a:t>
-            </a:r>
-            <a:r>
-              <a:rPr lang="LID4096" altLang="ja-JP" sz="1400" dirty="0"/>
-              <a:t>)</a:t>
-            </a:r>
-            <a:endParaRPr lang="ja-JP" altLang="en-US" sz="1400" dirty="0"/>
-          </a:p>
-        </p:txBody>
-      </p:sp>
-      <p:sp>
-        <p:nvSpPr>
-          <p:cNvPr id="29" name="正方形/長方形 28">
-            <a:extLst>
-              <a:ext uri="{FF2B5EF4-FFF2-40B4-BE49-F238E27FC236}">
-                <a16:creationId xmlns:a16="http://schemas.microsoft.com/office/drawing/2014/main" id="{CBC60324-2E9A-4F62-A26E-86C36FE3DAA6}"/>
-              </a:ext>
-            </a:extLst>
-          </p:cNvPr>
-          <p:cNvSpPr/>
-          <p:nvPr/>
-        </p:nvSpPr>
-        <p:spPr>
-          <a:xfrm>
-            <a:off x="4712339" y="1912586"/>
-            <a:ext cx="1424710" cy="710579"/>
-          </a:xfrm>
-          <a:prstGeom prst="rect">
-            <a:avLst/>
-          </a:prstGeom>
-        </p:spPr>
-        <p:style>
-          <a:lnRef idx="2">
-            <a:schemeClr val="accent1"/>
-          </a:lnRef>
-          <a:fillRef idx="1">
-            <a:schemeClr val="lt1"/>
-          </a:fillRef>
-          <a:effectRef idx="0">
-            <a:schemeClr val="accent1"/>
-          </a:effectRef>
-          <a:fontRef idx="minor">
-            <a:schemeClr val="dk1"/>
-          </a:fontRef>
-        </p:style>
-        <p:txBody>
-          <a:bodyPr rtlCol="0" anchor="t"/>
-          <a:lstStyle/>
-          <a:p>
-            <a:r>
-              <a:rPr lang="LID4096" altLang="ja-JP" sz="1400" dirty="0"/>
-              <a:t>Python</a:t>
-            </a:r>
-            <a:r>
-              <a:rPr lang="ja" altLang="en-US" sz="1400" dirty="0"/>
-              <a:t>コード２</a:t>
-            </a:r>
-            <a:endParaRPr lang="ja-JP" altLang="en-US" sz="1400" dirty="0"/>
-          </a:p>
-        </p:txBody>
-      </p:sp>
+            <a:ext cx="3160782" cy="2801530"/>
+            <a:chOff x="4561717" y="546212"/>
+            <a:chExt cx="3160782" cy="2801530"/>
+          </a:xfrm>
+        </p:grpSpPr>
+        <p:sp>
+          <p:nvSpPr>
+            <p:cNvPr id="34" name="四角形: メモ 33">
+              <a:extLst>
+                <a:ext uri="{FF2B5EF4-FFF2-40B4-BE49-F238E27FC236}">
+                  <a16:creationId xmlns:a16="http://schemas.microsoft.com/office/drawing/2014/main" id="{D9487266-7B2D-47F9-B99D-19E68F0116F7}"/>
+                </a:ext>
+              </a:extLst>
+            </p:cNvPr>
+            <p:cNvSpPr/>
+            <p:nvPr/>
+          </p:nvSpPr>
+          <p:spPr>
+            <a:xfrm>
+              <a:off x="4866517" y="851012"/>
+              <a:ext cx="2855982" cy="2496730"/>
+            </a:xfrm>
+            <a:prstGeom prst="foldedCorner">
+              <a:avLst/>
+            </a:prstGeom>
+          </p:spPr>
+          <p:style>
+            <a:lnRef idx="2">
+              <a:schemeClr val="accent4"/>
+            </a:lnRef>
+            <a:fillRef idx="1">
+              <a:schemeClr val="lt1"/>
+            </a:fillRef>
+            <a:effectRef idx="0">
+              <a:schemeClr val="accent4"/>
+            </a:effectRef>
+            <a:fontRef idx="minor">
+              <a:schemeClr val="dk1"/>
+            </a:fontRef>
+          </p:style>
+          <p:txBody>
+            <a:bodyPr rtlCol="0" anchor="t"/>
+            <a:lstStyle/>
+            <a:p>
+              <a:endParaRPr lang="ja-JP" altLang="en-US" sz="1400"/>
+            </a:p>
+          </p:txBody>
+        </p:sp>
+        <p:sp>
+          <p:nvSpPr>
+            <p:cNvPr id="32" name="四角形: メモ 31">
+              <a:extLst>
+                <a:ext uri="{FF2B5EF4-FFF2-40B4-BE49-F238E27FC236}">
+                  <a16:creationId xmlns:a16="http://schemas.microsoft.com/office/drawing/2014/main" id="{D3EA9FF2-EA07-495F-8AE6-3E8AEA115E09}"/>
+                </a:ext>
+              </a:extLst>
+            </p:cNvPr>
+            <p:cNvSpPr/>
+            <p:nvPr/>
+          </p:nvSpPr>
+          <p:spPr>
+            <a:xfrm>
+              <a:off x="4714117" y="698612"/>
+              <a:ext cx="2855982" cy="2496730"/>
+            </a:xfrm>
+            <a:prstGeom prst="foldedCorner">
+              <a:avLst/>
+            </a:prstGeom>
+          </p:spPr>
+          <p:style>
+            <a:lnRef idx="2">
+              <a:schemeClr val="accent4"/>
+            </a:lnRef>
+            <a:fillRef idx="1">
+              <a:schemeClr val="lt1"/>
+            </a:fillRef>
+            <a:effectRef idx="0">
+              <a:schemeClr val="accent4"/>
+            </a:effectRef>
+            <a:fontRef idx="minor">
+              <a:schemeClr val="dk1"/>
+            </a:fontRef>
+          </p:style>
+          <p:txBody>
+            <a:bodyPr rtlCol="0" anchor="t"/>
+            <a:lstStyle/>
+            <a:p>
+              <a:endParaRPr lang="ja-JP" altLang="en-US" sz="1400"/>
+            </a:p>
+          </p:txBody>
+        </p:sp>
+        <p:sp>
+          <p:nvSpPr>
+            <p:cNvPr id="13" name="四角形: メモ 12">
+              <a:extLst>
+                <a:ext uri="{FF2B5EF4-FFF2-40B4-BE49-F238E27FC236}">
+                  <a16:creationId xmlns:a16="http://schemas.microsoft.com/office/drawing/2014/main" id="{AC7264C9-104B-4CED-81AA-E59478F476C0}"/>
+                </a:ext>
+              </a:extLst>
+            </p:cNvPr>
+            <p:cNvSpPr/>
+            <p:nvPr/>
+          </p:nvSpPr>
+          <p:spPr>
+            <a:xfrm>
+              <a:off x="4561717" y="546212"/>
+              <a:ext cx="2855982" cy="2496730"/>
+            </a:xfrm>
+            <a:prstGeom prst="foldedCorner">
+              <a:avLst/>
+            </a:prstGeom>
+          </p:spPr>
+          <p:style>
+            <a:lnRef idx="2">
+              <a:schemeClr val="accent4"/>
+            </a:lnRef>
+            <a:fillRef idx="1">
+              <a:schemeClr val="lt1"/>
+            </a:fillRef>
+            <a:effectRef idx="0">
+              <a:schemeClr val="accent4"/>
+            </a:effectRef>
+            <a:fontRef idx="minor">
+              <a:schemeClr val="dk1"/>
+            </a:fontRef>
+          </p:style>
+          <p:txBody>
+            <a:bodyPr rtlCol="0" anchor="t"/>
+            <a:lstStyle/>
+            <a:p>
+              <a:endParaRPr lang="ja-JP" altLang="en-US" sz="1400"/>
+            </a:p>
+          </p:txBody>
+        </p:sp>
+        <p:sp>
+          <p:nvSpPr>
+            <p:cNvPr id="14" name="正方形/長方形 13">
+              <a:extLst>
+                <a:ext uri="{FF2B5EF4-FFF2-40B4-BE49-F238E27FC236}">
+                  <a16:creationId xmlns:a16="http://schemas.microsoft.com/office/drawing/2014/main" id="{CF250A3A-6B40-4C59-90B9-C63C9ADF4A18}"/>
+                </a:ext>
+              </a:extLst>
+            </p:cNvPr>
+            <p:cNvSpPr/>
+            <p:nvPr/>
+          </p:nvSpPr>
+          <p:spPr>
+            <a:xfrm>
+              <a:off x="5758153" y="1041176"/>
+              <a:ext cx="1424710" cy="710579"/>
+            </a:xfrm>
+            <a:prstGeom prst="rect">
+              <a:avLst/>
+            </a:prstGeom>
+          </p:spPr>
+          <p:style>
+            <a:lnRef idx="2">
+              <a:schemeClr val="accent1"/>
+            </a:lnRef>
+            <a:fillRef idx="1">
+              <a:schemeClr val="lt1"/>
+            </a:fillRef>
+            <a:effectRef idx="0">
+              <a:schemeClr val="accent1"/>
+            </a:effectRef>
+            <a:fontRef idx="minor">
+              <a:schemeClr val="dk1"/>
+            </a:fontRef>
+          </p:style>
+          <p:txBody>
+            <a:bodyPr rtlCol="0" anchor="t"/>
+            <a:lstStyle/>
+            <a:p>
+              <a:r>
+                <a:rPr lang="LID4096" altLang="ja-JP" sz="1400" dirty="0"/>
+                <a:t>Python</a:t>
+              </a:r>
+              <a:r>
+                <a:rPr lang="ja" altLang="en-US" sz="1400" dirty="0"/>
+                <a:t>コード１</a:t>
+              </a:r>
+              <a:endParaRPr lang="ja-JP" altLang="en-US" sz="1400" dirty="0"/>
+            </a:p>
+          </p:txBody>
+        </p:sp>
+        <p:sp>
+          <p:nvSpPr>
+            <p:cNvPr id="16" name="正方形/長方形 15">
+              <a:extLst>
+                <a:ext uri="{FF2B5EF4-FFF2-40B4-BE49-F238E27FC236}">
+                  <a16:creationId xmlns:a16="http://schemas.microsoft.com/office/drawing/2014/main" id="{56D6FE7E-39F8-4DDC-8B93-FFE30109FBDB}"/>
+                </a:ext>
+              </a:extLst>
+            </p:cNvPr>
+            <p:cNvSpPr/>
+            <p:nvPr/>
+          </p:nvSpPr>
+          <p:spPr>
+            <a:xfrm>
+              <a:off x="4712339" y="1041177"/>
+              <a:ext cx="921733" cy="710579"/>
+            </a:xfrm>
+            <a:prstGeom prst="rect">
+              <a:avLst/>
+            </a:prstGeom>
+          </p:spPr>
+          <p:style>
+            <a:lnRef idx="2">
+              <a:schemeClr val="accent2"/>
+            </a:lnRef>
+            <a:fillRef idx="1">
+              <a:schemeClr val="lt1"/>
+            </a:fillRef>
+            <a:effectRef idx="0">
+              <a:schemeClr val="accent2"/>
+            </a:effectRef>
+            <a:fontRef idx="minor">
+              <a:schemeClr val="dk1"/>
+            </a:fontRef>
+          </p:style>
+          <p:txBody>
+            <a:bodyPr rtlCol="0" anchor="t"/>
+            <a:lstStyle/>
+            <a:p>
+              <a:r>
+                <a:rPr lang="ja" altLang="en-US" sz="1400" dirty="0"/>
+                <a:t>説明資料</a:t>
+              </a:r>
+              <a:endParaRPr lang="ja-JP" altLang="en-US" sz="1400" dirty="0"/>
+            </a:p>
+          </p:txBody>
+        </p:sp>
+        <p:sp>
+          <p:nvSpPr>
+            <p:cNvPr id="18" name="正方形/長方形 17">
+              <a:extLst>
+                <a:ext uri="{FF2B5EF4-FFF2-40B4-BE49-F238E27FC236}">
+                  <a16:creationId xmlns:a16="http://schemas.microsoft.com/office/drawing/2014/main" id="{D90F9BDA-A539-49B7-AA61-F57E19F38DB3}"/>
+                </a:ext>
+              </a:extLst>
+            </p:cNvPr>
+            <p:cNvSpPr/>
+            <p:nvPr/>
+          </p:nvSpPr>
+          <p:spPr>
+            <a:xfrm>
+              <a:off x="6268463" y="1917643"/>
+              <a:ext cx="914400" cy="705522"/>
+            </a:xfrm>
+            <a:prstGeom prst="rect">
+              <a:avLst/>
+            </a:prstGeom>
+          </p:spPr>
+          <p:style>
+            <a:lnRef idx="2">
+              <a:schemeClr val="accent6"/>
+            </a:lnRef>
+            <a:fillRef idx="1">
+              <a:schemeClr val="lt1"/>
+            </a:fillRef>
+            <a:effectRef idx="0">
+              <a:schemeClr val="accent6"/>
+            </a:effectRef>
+            <a:fontRef idx="minor">
+              <a:schemeClr val="dk1"/>
+            </a:fontRef>
+          </p:style>
+          <p:txBody>
+            <a:bodyPr rtlCol="0" anchor="t"/>
+            <a:lstStyle/>
+            <a:p>
+              <a:r>
+                <a:rPr lang="ja" altLang="en-US" sz="1400" dirty="0"/>
+                <a:t>実行結果</a:t>
+              </a:r>
+              <a:endParaRPr lang="ja-JP" altLang="en-US" sz="1400" dirty="0"/>
+            </a:p>
+          </p:txBody>
+        </p:sp>
+        <p:sp>
+          <p:nvSpPr>
+            <p:cNvPr id="23" name="正方形/長方形 22">
+              <a:extLst>
+                <a:ext uri="{FF2B5EF4-FFF2-40B4-BE49-F238E27FC236}">
+                  <a16:creationId xmlns:a16="http://schemas.microsoft.com/office/drawing/2014/main" id="{08F8332C-5901-4A45-973B-B00E55232C81}"/>
+                </a:ext>
+              </a:extLst>
+            </p:cNvPr>
+            <p:cNvSpPr/>
+            <p:nvPr/>
+          </p:nvSpPr>
+          <p:spPr>
+            <a:xfrm>
+              <a:off x="4712339" y="546212"/>
+              <a:ext cx="1706916" cy="284908"/>
+            </a:xfrm>
+            <a:prstGeom prst="rect">
+              <a:avLst/>
+            </a:prstGeom>
+          </p:spPr>
+          <p:style>
+            <a:lnRef idx="1">
+              <a:schemeClr val="accent4"/>
+            </a:lnRef>
+            <a:fillRef idx="2">
+              <a:schemeClr val="accent4"/>
+            </a:fillRef>
+            <a:effectRef idx="1">
+              <a:schemeClr val="accent4"/>
+            </a:effectRef>
+            <a:fontRef idx="minor">
+              <a:schemeClr val="dk1"/>
+            </a:fontRef>
+          </p:style>
+          <p:txBody>
+            <a:bodyPr rtlCol="0" anchor="ctr"/>
+            <a:lstStyle/>
+            <a:p>
+              <a:pPr algn="ctr"/>
+              <a:r>
+                <a:rPr lang="af-ZA" altLang="ja-JP" sz="1400" dirty="0"/>
+                <a:t>N</a:t>
+              </a:r>
+              <a:r>
+                <a:rPr lang="LID4096" altLang="ja-JP" sz="1400" dirty="0"/>
+                <a:t>otebook(*</a:t>
+              </a:r>
+              <a:r>
+                <a:rPr lang="af-ZA" altLang="ja-JP" sz="1400" dirty="0"/>
+                <a:t>.ipynb</a:t>
+              </a:r>
+              <a:r>
+                <a:rPr lang="LID4096" altLang="ja-JP" sz="1400" dirty="0"/>
+                <a:t>)</a:t>
+              </a:r>
+              <a:endParaRPr lang="ja-JP" altLang="en-US" sz="1400" dirty="0"/>
+            </a:p>
+          </p:txBody>
+        </p:sp>
+        <p:sp>
+          <p:nvSpPr>
+            <p:cNvPr id="29" name="正方形/長方形 28">
+              <a:extLst>
+                <a:ext uri="{FF2B5EF4-FFF2-40B4-BE49-F238E27FC236}">
+                  <a16:creationId xmlns:a16="http://schemas.microsoft.com/office/drawing/2014/main" id="{CBC60324-2E9A-4F62-A26E-86C36FE3DAA6}"/>
+                </a:ext>
+              </a:extLst>
+            </p:cNvPr>
+            <p:cNvSpPr/>
+            <p:nvPr/>
+          </p:nvSpPr>
+          <p:spPr>
+            <a:xfrm>
+              <a:off x="4712339" y="1912586"/>
+              <a:ext cx="1424710" cy="710579"/>
+            </a:xfrm>
+            <a:prstGeom prst="rect">
+              <a:avLst/>
+            </a:prstGeom>
+          </p:spPr>
+          <p:style>
+            <a:lnRef idx="2">
+              <a:schemeClr val="accent1"/>
+            </a:lnRef>
+            <a:fillRef idx="1">
+              <a:schemeClr val="lt1"/>
+            </a:fillRef>
+            <a:effectRef idx="0">
+              <a:schemeClr val="accent1"/>
+            </a:effectRef>
+            <a:fontRef idx="minor">
+              <a:schemeClr val="dk1"/>
+            </a:fontRef>
+          </p:style>
+          <p:txBody>
+            <a:bodyPr rtlCol="0" anchor="t"/>
+            <a:lstStyle/>
+            <a:p>
+              <a:r>
+                <a:rPr lang="LID4096" altLang="ja-JP" sz="1400" dirty="0"/>
+                <a:t>Python</a:t>
+              </a:r>
+              <a:r>
+                <a:rPr lang="ja" altLang="en-US" sz="1400" dirty="0"/>
+                <a:t>コード２</a:t>
+              </a:r>
+              <a:endParaRPr lang="ja-JP" altLang="en-US" sz="1400" dirty="0"/>
+            </a:p>
+          </p:txBody>
+        </p:sp>
+      </p:grpSp>
     </p:spTree>
     <p:extLst>
       <p:ext uri="{BB962C8B-B14F-4D97-AF65-F5344CB8AC3E}">
